--- a/1482806030EtherLend.pptx
+++ b/1482806030EtherLend.pptx
@@ -3555,15 +3555,7 @@
             </a:r>
             <a:r>
               <a:rPr lang="en-US" dirty="0" smtClean="0"/>
-              <a:t> Sun, </a:t>
-            </a:r>
-            <a:r>
-              <a:rPr lang="en-US" dirty="0" smtClean="0"/>
-              <a:t>Ching-Hui  </a:t>
-            </a:r>
-            <a:r>
-              <a:rPr lang="en-US" dirty="0" smtClean="0"/>
-              <a:t>Lin, Zhengyang Song</a:t>
+              <a:t> Sun, Ching-Hui  Lin, Zhengyang Song</a:t>
             </a:r>
             <a:endParaRPr lang="en-US" dirty="0"/>
           </a:p>
@@ -3616,11 +3608,7 @@
           <a:p>
             <a:r>
               <a:rPr lang="en-US" dirty="0" smtClean="0"/>
-              <a:t>Sealed Second </a:t>
-            </a:r>
-            <a:r>
-              <a:rPr lang="en-US" dirty="0" smtClean="0"/>
-              <a:t>Price Auction</a:t>
+              <a:t>Sealed Second Price Auction</a:t>
             </a:r>
             <a:endParaRPr lang="en-US" dirty="0"/>
           </a:p>
@@ -3655,35 +3643,35 @@
                 <a:gridCol w="2103120">
                   <a:extLst>
                     <a:ext uri="{9D8B030D-6E8A-4147-A177-3AD203B41FA5}">
-                      <a16:colId xmlns:a16="http://schemas.microsoft.com/office/drawing/2014/main" xmlns="" val="1205294342"/>
+                      <a16:colId xmlns="" xmlns:a16="http://schemas.microsoft.com/office/drawing/2014/main" val="1205294342"/>
                     </a:ext>
                   </a:extLst>
                 </a:gridCol>
                 <a:gridCol w="2103120">
                   <a:extLst>
                     <a:ext uri="{9D8B030D-6E8A-4147-A177-3AD203B41FA5}">
-                      <a16:colId xmlns:a16="http://schemas.microsoft.com/office/drawing/2014/main" xmlns="" val="1967479225"/>
+                      <a16:colId xmlns="" xmlns:a16="http://schemas.microsoft.com/office/drawing/2014/main" val="1967479225"/>
                     </a:ext>
                   </a:extLst>
                 </a:gridCol>
                 <a:gridCol w="2103120">
                   <a:extLst>
                     <a:ext uri="{9D8B030D-6E8A-4147-A177-3AD203B41FA5}">
-                      <a16:colId xmlns:a16="http://schemas.microsoft.com/office/drawing/2014/main" xmlns="" val="2489586927"/>
+                      <a16:colId xmlns="" xmlns:a16="http://schemas.microsoft.com/office/drawing/2014/main" val="2489586927"/>
                     </a:ext>
                   </a:extLst>
                 </a:gridCol>
                 <a:gridCol w="2103120">
                   <a:extLst>
                     <a:ext uri="{9D8B030D-6E8A-4147-A177-3AD203B41FA5}">
-                      <a16:colId xmlns:a16="http://schemas.microsoft.com/office/drawing/2014/main" xmlns="" val="3017128060"/>
+                      <a16:colId xmlns="" xmlns:a16="http://schemas.microsoft.com/office/drawing/2014/main" val="3017128060"/>
                     </a:ext>
                   </a:extLst>
                 </a:gridCol>
                 <a:gridCol w="2103120">
                   <a:extLst>
                     <a:ext uri="{9D8B030D-6E8A-4147-A177-3AD203B41FA5}">
-                      <a16:colId xmlns:a16="http://schemas.microsoft.com/office/drawing/2014/main" xmlns="" val="3988635764"/>
+                      <a16:colId xmlns="" xmlns:a16="http://schemas.microsoft.com/office/drawing/2014/main" val="3988635764"/>
                     </a:ext>
                   </a:extLst>
                 </a:gridCol>
@@ -3757,7 +3745,7 @@
                 </a:tc>
                 <a:extLst>
                   <a:ext uri="{0D108BD9-81ED-4DB2-BD59-A6C34878D82A}">
-                    <a16:rowId xmlns:a16="http://schemas.microsoft.com/office/drawing/2014/main" xmlns="" val="3998582811"/>
+                    <a16:rowId xmlns="" xmlns:a16="http://schemas.microsoft.com/office/drawing/2014/main" val="3998582811"/>
                   </a:ext>
                 </a:extLst>
               </a:tr>
@@ -3834,7 +3822,7 @@
                 </a:tc>
                 <a:extLst>
                   <a:ext uri="{0D108BD9-81ED-4DB2-BD59-A6C34878D82A}">
-                    <a16:rowId xmlns:a16="http://schemas.microsoft.com/office/drawing/2014/main" xmlns="" val="2694499608"/>
+                    <a16:rowId xmlns="" xmlns:a16="http://schemas.microsoft.com/office/drawing/2014/main" val="2694499608"/>
                   </a:ext>
                 </a:extLst>
               </a:tr>
@@ -3911,7 +3899,7 @@
                 </a:tc>
                 <a:extLst>
                   <a:ext uri="{0D108BD9-81ED-4DB2-BD59-A6C34878D82A}">
-                    <a16:rowId xmlns:a16="http://schemas.microsoft.com/office/drawing/2014/main" xmlns="" val="1987319501"/>
+                    <a16:rowId xmlns="" xmlns:a16="http://schemas.microsoft.com/office/drawing/2014/main" val="1987319501"/>
                   </a:ext>
                 </a:extLst>
               </a:tr>
@@ -3988,7 +3976,7 @@
                 </a:tc>
                 <a:extLst>
                   <a:ext uri="{0D108BD9-81ED-4DB2-BD59-A6C34878D82A}">
-                    <a16:rowId xmlns:a16="http://schemas.microsoft.com/office/drawing/2014/main" xmlns="" val="2873965669"/>
+                    <a16:rowId xmlns="" xmlns:a16="http://schemas.microsoft.com/office/drawing/2014/main" val="2873965669"/>
                   </a:ext>
                 </a:extLst>
               </a:tr>
@@ -4065,7 +4053,7 @@
                 </a:tc>
                 <a:extLst>
                   <a:ext uri="{0D108BD9-81ED-4DB2-BD59-A6C34878D82A}">
-                    <a16:rowId xmlns:a16="http://schemas.microsoft.com/office/drawing/2014/main" xmlns="" val="2246782234"/>
+                    <a16:rowId xmlns="" xmlns:a16="http://schemas.microsoft.com/office/drawing/2014/main" val="2246782234"/>
                   </a:ext>
                 </a:extLst>
               </a:tr>
@@ -4411,9 +4399,13 @@
           <a:p>
             <a:r>
               <a:rPr lang="en-US" dirty="0" smtClean="0"/>
-              <a:t>Framework</a:t>
-            </a:r>
-            <a:endParaRPr lang="en-US" dirty="0"/>
+              <a:t>Framework of our </a:t>
+            </a:r>
+            <a:r>
+              <a:rPr lang="en-US" b="1" cap="all" dirty="0" smtClean="0"/>
+              <a:t>ÐAPP</a:t>
+            </a:r>
+            <a:endParaRPr lang="en-US" b="1" dirty="0"/>
           </a:p>
         </p:txBody>
       </p:sp>
@@ -5060,7 +5052,6 @@
               <a:rPr lang="en-US" dirty="0"/>
               <a:t> Replicated State Machine</a:t>
             </a:r>
-            <a:endParaRPr lang="en-US" dirty="0"/>
           </a:p>
         </p:txBody>
       </p:sp>

--- a/1482806030EtherLend.pptx
+++ b/1482806030EtherLend.pptx
@@ -4282,6 +4282,13 @@
   <p:clrMapOvr>
     <a:masterClrMapping/>
   </p:clrMapOvr>
+  <p:timing>
+    <p:tnLst>
+      <p:par>
+        <p:cTn id="1" dur="indefinite" restart="never" nodeType="tmRoot"/>
+      </p:par>
+    </p:tnLst>
+  </p:timing>
 </p:sld>
 </file>
 

--- a/1482806030EtherLend.pptx
+++ b/1482806030EtherLend.pptx
@@ -2,30 +2,32 @@
 <file path=ppt/presentation.xml><?xml version="1.0" encoding="utf-8"?>
 <p:presentation xmlns:a="http://schemas.openxmlformats.org/drawingml/2006/main" xmlns:r="http://schemas.openxmlformats.org/officeDocument/2006/relationships" xmlns:p="http://schemas.openxmlformats.org/presentationml/2006/main" saveSubsetFonts="1">
   <p:sldMasterIdLst>
-    <p:sldMasterId id="2147483648" r:id="rId1"/>
+    <p:sldMasterId id="2147483660" r:id="rId1"/>
   </p:sldMasterIdLst>
   <p:notesMasterIdLst>
-    <p:notesMasterId r:id="rId15"/>
+    <p:notesMasterId r:id="rId17"/>
   </p:notesMasterIdLst>
   <p:handoutMasterIdLst>
-    <p:handoutMasterId r:id="rId16"/>
+    <p:handoutMasterId r:id="rId18"/>
   </p:handoutMasterIdLst>
   <p:sldIdLst>
     <p:sldId id="256" r:id="rId2"/>
-    <p:sldId id="266" r:id="rId3"/>
-    <p:sldId id="258" r:id="rId4"/>
-    <p:sldId id="259" r:id="rId5"/>
-    <p:sldId id="260" r:id="rId6"/>
-    <p:sldId id="261" r:id="rId7"/>
-    <p:sldId id="265" r:id="rId8"/>
-    <p:sldId id="267" r:id="rId9"/>
-    <p:sldId id="268" r:id="rId10"/>
-    <p:sldId id="269" r:id="rId11"/>
+    <p:sldId id="269" r:id="rId3"/>
+    <p:sldId id="266" r:id="rId4"/>
+    <p:sldId id="258" r:id="rId5"/>
+    <p:sldId id="259" r:id="rId6"/>
+    <p:sldId id="260" r:id="rId7"/>
+    <p:sldId id="261" r:id="rId8"/>
+    <p:sldId id="265" r:id="rId9"/>
+    <p:sldId id="267" r:id="rId10"/>
+    <p:sldId id="268" r:id="rId11"/>
     <p:sldId id="270" r:id="rId12"/>
     <p:sldId id="271" r:id="rId13"/>
     <p:sldId id="262" r:id="rId14"/>
+    <p:sldId id="272" r:id="rId15"/>
+    <p:sldId id="273" r:id="rId16"/>
   </p:sldIdLst>
-  <p:sldSz cx="12192000" cy="6858000"/>
+  <p:sldSz cx="9144000" cy="6858000" type="screen4x3"/>
   <p:notesSz cx="6858000" cy="9144000"/>
   <p:defaultTextStyle>
     <a:defPPr>
@@ -212,7 +214,7 @@
           <a:p>
             <a:fld id="{40A4E191-E278-E94D-84FD-97D9E9CC4615}" type="datetimeFigureOut">
               <a:rPr lang="en-US" smtClean="0"/>
-              <a:t>12/27/16</a:t>
+              <a:t>12/27/2016</a:t>
             </a:fld>
             <a:endParaRPr lang="en-US"/>
           </a:p>
@@ -377,7 +379,7 @@
           <a:p>
             <a:fld id="{013E954D-3CCC-AC41-912F-5193718E0898}" type="datetimeFigureOut">
               <a:rPr lang="en-US" smtClean="0"/>
-              <a:t>12/27/16</a:t>
+              <a:t>12/27/2016</a:t>
             </a:fld>
             <a:endParaRPr lang="en-US"/>
           </a:p>
@@ -395,8 +397,8 @@
         </p:nvSpPr>
         <p:spPr>
           <a:xfrm>
-            <a:off x="685800" y="1143000"/>
-            <a:ext cx="5486400" cy="3086100"/>
+            <a:off x="1371600" y="1143000"/>
+            <a:ext cx="4114800" cy="3086100"/>
           </a:xfrm>
           <a:prstGeom prst="rect">
             <a:avLst/>
@@ -645,6 +647,90 @@
 </p:notesMaster>
 </file>
 
+<file path=ppt/notesSlides/notesSlide1.xml><?xml version="1.0" encoding="utf-8"?>
+<p:notes xmlns:a="http://schemas.openxmlformats.org/drawingml/2006/main" xmlns:r="http://schemas.openxmlformats.org/officeDocument/2006/relationships" xmlns:p="http://schemas.openxmlformats.org/presentationml/2006/main">
+  <p:cSld>
+    <p:spTree>
+      <p:nvGrpSpPr>
+        <p:cNvPr id="1" name=""/>
+        <p:cNvGrpSpPr/>
+        <p:nvPr/>
+      </p:nvGrpSpPr>
+      <p:grpSpPr>
+        <a:xfrm>
+          <a:off x="0" y="0"/>
+          <a:ext cx="0" cy="0"/>
+          <a:chOff x="0" y="0"/>
+          <a:chExt cx="0" cy="0"/>
+        </a:xfrm>
+      </p:grpSpPr>
+      <p:sp>
+        <p:nvSpPr>
+          <p:cNvPr id="2" name="Slide Image Placeholder 1"/>
+          <p:cNvSpPr>
+            <a:spLocks noGrp="1" noRot="1" noChangeAspect="1"/>
+          </p:cNvSpPr>
+          <p:nvPr>
+            <p:ph type="sldImg"/>
+          </p:nvPr>
+        </p:nvSpPr>
+        <p:spPr/>
+      </p:sp>
+      <p:sp>
+        <p:nvSpPr>
+          <p:cNvPr id="3" name="Notes Placeholder 2"/>
+          <p:cNvSpPr>
+            <a:spLocks noGrp="1"/>
+          </p:cNvSpPr>
+          <p:nvPr>
+            <p:ph type="body" idx="1"/>
+          </p:nvPr>
+        </p:nvSpPr>
+        <p:spPr/>
+        <p:txBody>
+          <a:bodyPr/>
+          <a:lstStyle/>
+          <a:p>
+            <a:endParaRPr lang="en-US" dirty="0"/>
+          </a:p>
+        </p:txBody>
+      </p:sp>
+      <p:sp>
+        <p:nvSpPr>
+          <p:cNvPr id="4" name="Slide Number Placeholder 3"/>
+          <p:cNvSpPr>
+            <a:spLocks noGrp="1"/>
+          </p:cNvSpPr>
+          <p:nvPr>
+            <p:ph type="sldNum" sz="quarter" idx="10"/>
+          </p:nvPr>
+        </p:nvSpPr>
+        <p:spPr/>
+        <p:txBody>
+          <a:bodyPr/>
+          <a:lstStyle/>
+          <a:p>
+            <a:fld id="{B7121141-350E-E947-8F7F-3EB8B3E57A2B}" type="slidenum">
+              <a:rPr lang="en-US" smtClean="0"/>
+              <a:t>1</a:t>
+            </a:fld>
+            <a:endParaRPr lang="en-US"/>
+          </a:p>
+        </p:txBody>
+      </p:sp>
+    </p:spTree>
+    <p:extLst>
+      <p:ext uri="{BB962C8B-B14F-4D97-AF65-F5344CB8AC3E}">
+        <p14:creationId xmlns:p14="http://schemas.microsoft.com/office/powerpoint/2010/main" val="2144404945"/>
+      </p:ext>
+    </p:extLst>
+  </p:cSld>
+  <p:clrMapOvr>
+    <a:masterClrMapping/>
+  </p:clrMapOvr>
+</p:notes>
+</file>
+
 <file path=ppt/slideLayouts/slideLayout1.xml><?xml version="1.0" encoding="utf-8"?>
 <p:sldLayout xmlns:a="http://schemas.openxmlformats.org/drawingml/2006/main" xmlns:r="http://schemas.openxmlformats.org/officeDocument/2006/relationships" xmlns:p="http://schemas.openxmlformats.org/presentationml/2006/main" type="title" preserve="1">
   <p:cSld name="Title Slide">
@@ -674,8 +760,8 @@
         </p:nvSpPr>
         <p:spPr>
           <a:xfrm>
-            <a:off x="1524000" y="1122363"/>
-            <a:ext cx="9144000" cy="2387600"/>
+            <a:off x="685800" y="1122363"/>
+            <a:ext cx="7772400" cy="2387600"/>
           </a:xfrm>
         </p:spPr>
         <p:txBody>
@@ -690,7 +776,7 @@
               <a:rPr lang="en-US" smtClean="0"/>
               <a:t>Click to edit Master title style</a:t>
             </a:r>
-            <a:endParaRPr lang="en-US"/>
+            <a:endParaRPr lang="en-US" dirty="0"/>
           </a:p>
         </p:txBody>
       </p:sp>
@@ -706,8 +792,8 @@
         </p:nvSpPr>
         <p:spPr>
           <a:xfrm>
-            <a:off x="1524000" y="3602038"/>
-            <a:ext cx="9144000" cy="1655762"/>
+            <a:off x="1143000" y="3602038"/>
+            <a:ext cx="6858000" cy="1655762"/>
           </a:xfrm>
         </p:spPr>
         <p:txBody>
@@ -755,7 +841,7 @@
               <a:rPr lang="en-US" smtClean="0"/>
               <a:t>Click to edit Master subtitle style</a:t>
             </a:r>
-            <a:endParaRPr lang="en-US"/>
+            <a:endParaRPr lang="en-US" dirty="0"/>
           </a:p>
         </p:txBody>
       </p:sp>
@@ -776,7 +862,7 @@
           <a:p>
             <a:fld id="{BF630BC5-027B-4D07-99E8-D646925C002F}" type="datetimeFigureOut">
               <a:rPr lang="en-US" smtClean="0"/>
-              <a:t>12/27/16</a:t>
+              <a:t>12/27/2016</a:t>
             </a:fld>
             <a:endParaRPr lang="en-US"/>
           </a:p>
@@ -825,11 +911,6 @@
         </p:txBody>
       </p:sp>
     </p:spTree>
-    <p:extLst>
-      <p:ext uri="{BB962C8B-B14F-4D97-AF65-F5344CB8AC3E}">
-        <p14:creationId xmlns:p14="http://schemas.microsoft.com/office/powerpoint/2010/main" val="2501731302"/>
-      </p:ext>
-    </p:extLst>
   </p:cSld>
   <p:clrMapOvr>
     <a:masterClrMapping/>
@@ -873,7 +954,7 @@
               <a:rPr lang="en-US" smtClean="0"/>
               <a:t>Click to edit Master title style</a:t>
             </a:r>
-            <a:endParaRPr lang="en-US"/>
+            <a:endParaRPr lang="en-US" dirty="0"/>
           </a:p>
         </p:txBody>
       </p:sp>
@@ -895,7 +976,7 @@
             <a:pPr lvl="0"/>
             <a:r>
               <a:rPr lang="en-US" smtClean="0"/>
-              <a:t>Edit Master text styles</a:t>
+              <a:t>Click to edit Master text styles</a:t>
             </a:r>
           </a:p>
           <a:p>
@@ -925,7 +1006,7 @@
               <a:rPr lang="en-US" smtClean="0"/>
               <a:t>Fifth level</a:t>
             </a:r>
-            <a:endParaRPr lang="en-US"/>
+            <a:endParaRPr lang="en-US" dirty="0"/>
           </a:p>
         </p:txBody>
       </p:sp>
@@ -946,7 +1027,7 @@
           <a:p>
             <a:fld id="{BF630BC5-027B-4D07-99E8-D646925C002F}" type="datetimeFigureOut">
               <a:rPr lang="en-US" smtClean="0"/>
-              <a:t>12/27/16</a:t>
+              <a:t>12/27/2016</a:t>
             </a:fld>
             <a:endParaRPr lang="en-US"/>
           </a:p>
@@ -995,11 +1076,6 @@
         </p:txBody>
       </p:sp>
     </p:spTree>
-    <p:extLst>
-      <p:ext uri="{BB962C8B-B14F-4D97-AF65-F5344CB8AC3E}">
-        <p14:creationId xmlns:p14="http://schemas.microsoft.com/office/powerpoint/2010/main" val="1807747001"/>
-      </p:ext>
-    </p:extLst>
   </p:cSld>
   <p:clrMapOvr>
     <a:masterClrMapping/>
@@ -1036,8 +1112,8 @@
         </p:nvSpPr>
         <p:spPr>
           <a:xfrm>
-            <a:off x="8724900" y="365125"/>
-            <a:ext cx="2628900" cy="5811838"/>
+            <a:off x="6543675" y="365125"/>
+            <a:ext cx="1971675" cy="5811838"/>
           </a:xfrm>
         </p:spPr>
         <p:txBody>
@@ -1048,7 +1124,7 @@
               <a:rPr lang="en-US" smtClean="0"/>
               <a:t>Click to edit Master title style</a:t>
             </a:r>
-            <a:endParaRPr lang="en-US"/>
+            <a:endParaRPr lang="en-US" dirty="0"/>
           </a:p>
         </p:txBody>
       </p:sp>
@@ -1064,8 +1140,8 @@
         </p:nvSpPr>
         <p:spPr>
           <a:xfrm>
-            <a:off x="838200" y="365125"/>
-            <a:ext cx="7734300" cy="5811838"/>
+            <a:off x="628650" y="365125"/>
+            <a:ext cx="5800725" cy="5811838"/>
           </a:xfrm>
         </p:spPr>
         <p:txBody>
@@ -1075,7 +1151,7 @@
             <a:pPr lvl="0"/>
             <a:r>
               <a:rPr lang="en-US" smtClean="0"/>
-              <a:t>Edit Master text styles</a:t>
+              <a:t>Click to edit Master text styles</a:t>
             </a:r>
           </a:p>
           <a:p>
@@ -1105,7 +1181,7 @@
               <a:rPr lang="en-US" smtClean="0"/>
               <a:t>Fifth level</a:t>
             </a:r>
-            <a:endParaRPr lang="en-US"/>
+            <a:endParaRPr lang="en-US" dirty="0"/>
           </a:p>
         </p:txBody>
       </p:sp>
@@ -1126,7 +1202,7 @@
           <a:p>
             <a:fld id="{BF630BC5-027B-4D07-99E8-D646925C002F}" type="datetimeFigureOut">
               <a:rPr lang="en-US" smtClean="0"/>
-              <a:t>12/27/16</a:t>
+              <a:t>12/27/2016</a:t>
             </a:fld>
             <a:endParaRPr lang="en-US"/>
           </a:p>
@@ -1175,11 +1251,6 @@
         </p:txBody>
       </p:sp>
     </p:spTree>
-    <p:extLst>
-      <p:ext uri="{BB962C8B-B14F-4D97-AF65-F5344CB8AC3E}">
-        <p14:creationId xmlns:p14="http://schemas.microsoft.com/office/powerpoint/2010/main" val="3127281509"/>
-      </p:ext>
-    </p:extLst>
   </p:cSld>
   <p:clrMapOvr>
     <a:masterClrMapping/>
@@ -1223,7 +1294,7 @@
               <a:rPr lang="en-US" smtClean="0"/>
               <a:t>Click to edit Master title style</a:t>
             </a:r>
-            <a:endParaRPr lang="en-US"/>
+            <a:endParaRPr lang="en-US" dirty="0"/>
           </a:p>
         </p:txBody>
       </p:sp>
@@ -1245,7 +1316,7 @@
             <a:pPr lvl="0"/>
             <a:r>
               <a:rPr lang="en-US" smtClean="0"/>
-              <a:t>Edit Master text styles</a:t>
+              <a:t>Click to edit Master text styles</a:t>
             </a:r>
           </a:p>
           <a:p>
@@ -1275,7 +1346,7 @@
               <a:rPr lang="en-US" smtClean="0"/>
               <a:t>Fifth level</a:t>
             </a:r>
-            <a:endParaRPr lang="en-US"/>
+            <a:endParaRPr lang="en-US" dirty="0"/>
           </a:p>
         </p:txBody>
       </p:sp>
@@ -1296,7 +1367,7 @@
           <a:p>
             <a:fld id="{BF630BC5-027B-4D07-99E8-D646925C002F}" type="datetimeFigureOut">
               <a:rPr lang="en-US" smtClean="0"/>
-              <a:t>12/27/16</a:t>
+              <a:t>12/27/2016</a:t>
             </a:fld>
             <a:endParaRPr lang="en-US"/>
           </a:p>
@@ -1345,11 +1416,6 @@
         </p:txBody>
       </p:sp>
     </p:spTree>
-    <p:extLst>
-      <p:ext uri="{BB962C8B-B14F-4D97-AF65-F5344CB8AC3E}">
-        <p14:creationId xmlns:p14="http://schemas.microsoft.com/office/powerpoint/2010/main" val="876875434"/>
-      </p:ext>
-    </p:extLst>
   </p:cSld>
   <p:clrMapOvr>
     <a:masterClrMapping/>
@@ -1386,8 +1452,8 @@
         </p:nvSpPr>
         <p:spPr>
           <a:xfrm>
-            <a:off x="831850" y="1709738"/>
-            <a:ext cx="10515600" cy="2852737"/>
+            <a:off x="623888" y="1709739"/>
+            <a:ext cx="7886700" cy="2852737"/>
           </a:xfrm>
         </p:spPr>
         <p:txBody>
@@ -1402,7 +1468,7 @@
               <a:rPr lang="en-US" smtClean="0"/>
               <a:t>Click to edit Master title style</a:t>
             </a:r>
-            <a:endParaRPr lang="en-US"/>
+            <a:endParaRPr lang="en-US" dirty="0"/>
           </a:p>
         </p:txBody>
       </p:sp>
@@ -1418,8 +1484,8 @@
         </p:nvSpPr>
         <p:spPr>
           <a:xfrm>
-            <a:off x="831850" y="4589463"/>
-            <a:ext cx="10515600" cy="1500187"/>
+            <a:off x="623888" y="4589464"/>
+            <a:ext cx="7886700" cy="1500187"/>
           </a:xfrm>
         </p:spPr>
         <p:txBody>
@@ -1429,9 +1495,7 @@
               <a:buNone/>
               <a:defRPr sz="2400">
                 <a:solidFill>
-                  <a:schemeClr val="tx1">
-                    <a:tint val="75000"/>
-                  </a:schemeClr>
+                  <a:schemeClr val="tx1"/>
                 </a:solidFill>
               </a:defRPr>
             </a:lvl1pPr>
@@ -1520,7 +1584,7 @@
             <a:pPr lvl="0"/>
             <a:r>
               <a:rPr lang="en-US" smtClean="0"/>
-              <a:t>Edit Master text styles</a:t>
+              <a:t>Click to edit Master text styles</a:t>
             </a:r>
           </a:p>
         </p:txBody>
@@ -1542,7 +1606,7 @@
           <a:p>
             <a:fld id="{BF630BC5-027B-4D07-99E8-D646925C002F}" type="datetimeFigureOut">
               <a:rPr lang="en-US" smtClean="0"/>
-              <a:t>12/27/16</a:t>
+              <a:t>12/27/2016</a:t>
             </a:fld>
             <a:endParaRPr lang="en-US"/>
           </a:p>
@@ -1591,11 +1655,6 @@
         </p:txBody>
       </p:sp>
     </p:spTree>
-    <p:extLst>
-      <p:ext uri="{BB962C8B-B14F-4D97-AF65-F5344CB8AC3E}">
-        <p14:creationId xmlns:p14="http://schemas.microsoft.com/office/powerpoint/2010/main" val="3892003209"/>
-      </p:ext>
-    </p:extLst>
   </p:cSld>
   <p:clrMapOvr>
     <a:masterClrMapping/>
@@ -1639,7 +1698,7 @@
               <a:rPr lang="en-US" smtClean="0"/>
               <a:t>Click to edit Master title style</a:t>
             </a:r>
-            <a:endParaRPr lang="en-US"/>
+            <a:endParaRPr lang="en-US" dirty="0"/>
           </a:p>
         </p:txBody>
       </p:sp>
@@ -1655,8 +1714,8 @@
         </p:nvSpPr>
         <p:spPr>
           <a:xfrm>
-            <a:off x="838200" y="1825625"/>
-            <a:ext cx="5181600" cy="4351338"/>
+            <a:off x="628650" y="1825625"/>
+            <a:ext cx="3886200" cy="4351338"/>
           </a:xfrm>
         </p:spPr>
         <p:txBody>
@@ -1666,7 +1725,7 @@
             <a:pPr lvl="0"/>
             <a:r>
               <a:rPr lang="en-US" smtClean="0"/>
-              <a:t>Edit Master text styles</a:t>
+              <a:t>Click to edit Master text styles</a:t>
             </a:r>
           </a:p>
           <a:p>
@@ -1696,7 +1755,7 @@
               <a:rPr lang="en-US" smtClean="0"/>
               <a:t>Fifth level</a:t>
             </a:r>
-            <a:endParaRPr lang="en-US"/>
+            <a:endParaRPr lang="en-US" dirty="0"/>
           </a:p>
         </p:txBody>
       </p:sp>
@@ -1712,8 +1771,8 @@
         </p:nvSpPr>
         <p:spPr>
           <a:xfrm>
-            <a:off x="6172200" y="1825625"/>
-            <a:ext cx="5181600" cy="4351338"/>
+            <a:off x="4629150" y="1825625"/>
+            <a:ext cx="3886200" cy="4351338"/>
           </a:xfrm>
         </p:spPr>
         <p:txBody>
@@ -1723,7 +1782,7 @@
             <a:pPr lvl="0"/>
             <a:r>
               <a:rPr lang="en-US" smtClean="0"/>
-              <a:t>Edit Master text styles</a:t>
+              <a:t>Click to edit Master text styles</a:t>
             </a:r>
           </a:p>
           <a:p>
@@ -1753,7 +1812,7 @@
               <a:rPr lang="en-US" smtClean="0"/>
               <a:t>Fifth level</a:t>
             </a:r>
-            <a:endParaRPr lang="en-US"/>
+            <a:endParaRPr lang="en-US" dirty="0"/>
           </a:p>
         </p:txBody>
       </p:sp>
@@ -1774,7 +1833,7 @@
           <a:p>
             <a:fld id="{BF630BC5-027B-4D07-99E8-D646925C002F}" type="datetimeFigureOut">
               <a:rPr lang="en-US" smtClean="0"/>
-              <a:t>12/27/16</a:t>
+              <a:t>12/27/2016</a:t>
             </a:fld>
             <a:endParaRPr lang="en-US"/>
           </a:p>
@@ -1823,11 +1882,6 @@
         </p:txBody>
       </p:sp>
     </p:spTree>
-    <p:extLst>
-      <p:ext uri="{BB962C8B-B14F-4D97-AF65-F5344CB8AC3E}">
-        <p14:creationId xmlns:p14="http://schemas.microsoft.com/office/powerpoint/2010/main" val="3833810173"/>
-      </p:ext>
-    </p:extLst>
   </p:cSld>
   <p:clrMapOvr>
     <a:masterClrMapping/>
@@ -1864,8 +1918,8 @@
         </p:nvSpPr>
         <p:spPr>
           <a:xfrm>
-            <a:off x="839788" y="365125"/>
-            <a:ext cx="10515600" cy="1325563"/>
+            <a:off x="629841" y="365126"/>
+            <a:ext cx="7886700" cy="1325563"/>
           </a:xfrm>
         </p:spPr>
         <p:txBody>
@@ -1876,7 +1930,7 @@
               <a:rPr lang="en-US" smtClean="0"/>
               <a:t>Click to edit Master title style</a:t>
             </a:r>
-            <a:endParaRPr lang="en-US"/>
+            <a:endParaRPr lang="en-US" dirty="0"/>
           </a:p>
         </p:txBody>
       </p:sp>
@@ -1892,8 +1946,8 @@
         </p:nvSpPr>
         <p:spPr>
           <a:xfrm>
-            <a:off x="839788" y="1681163"/>
-            <a:ext cx="5157787" cy="823912"/>
+            <a:off x="629842" y="1681163"/>
+            <a:ext cx="3868340" cy="823912"/>
           </a:xfrm>
         </p:spPr>
         <p:txBody>
@@ -1940,7 +1994,7 @@
             <a:pPr lvl="0"/>
             <a:r>
               <a:rPr lang="en-US" smtClean="0"/>
-              <a:t>Edit Master text styles</a:t>
+              <a:t>Click to edit Master text styles</a:t>
             </a:r>
           </a:p>
         </p:txBody>
@@ -1957,8 +2011,8 @@
         </p:nvSpPr>
         <p:spPr>
           <a:xfrm>
-            <a:off x="839788" y="2505075"/>
-            <a:ext cx="5157787" cy="3684588"/>
+            <a:off x="629842" y="2505075"/>
+            <a:ext cx="3868340" cy="3684588"/>
           </a:xfrm>
         </p:spPr>
         <p:txBody>
@@ -1968,7 +2022,7 @@
             <a:pPr lvl="0"/>
             <a:r>
               <a:rPr lang="en-US" smtClean="0"/>
-              <a:t>Edit Master text styles</a:t>
+              <a:t>Click to edit Master text styles</a:t>
             </a:r>
           </a:p>
           <a:p>
@@ -1998,7 +2052,7 @@
               <a:rPr lang="en-US" smtClean="0"/>
               <a:t>Fifth level</a:t>
             </a:r>
-            <a:endParaRPr lang="en-US"/>
+            <a:endParaRPr lang="en-US" dirty="0"/>
           </a:p>
         </p:txBody>
       </p:sp>
@@ -2014,8 +2068,8 @@
         </p:nvSpPr>
         <p:spPr>
           <a:xfrm>
-            <a:off x="6172200" y="1681163"/>
-            <a:ext cx="5183188" cy="823912"/>
+            <a:off x="4629150" y="1681163"/>
+            <a:ext cx="3887391" cy="823912"/>
           </a:xfrm>
         </p:spPr>
         <p:txBody>
@@ -2062,7 +2116,7 @@
             <a:pPr lvl="0"/>
             <a:r>
               <a:rPr lang="en-US" smtClean="0"/>
-              <a:t>Edit Master text styles</a:t>
+              <a:t>Click to edit Master text styles</a:t>
             </a:r>
           </a:p>
         </p:txBody>
@@ -2079,8 +2133,8 @@
         </p:nvSpPr>
         <p:spPr>
           <a:xfrm>
-            <a:off x="6172200" y="2505075"/>
-            <a:ext cx="5183188" cy="3684588"/>
+            <a:off x="4629150" y="2505075"/>
+            <a:ext cx="3887391" cy="3684588"/>
           </a:xfrm>
         </p:spPr>
         <p:txBody>
@@ -2090,7 +2144,7 @@
             <a:pPr lvl="0"/>
             <a:r>
               <a:rPr lang="en-US" smtClean="0"/>
-              <a:t>Edit Master text styles</a:t>
+              <a:t>Click to edit Master text styles</a:t>
             </a:r>
           </a:p>
           <a:p>
@@ -2120,7 +2174,7 @@
               <a:rPr lang="en-US" smtClean="0"/>
               <a:t>Fifth level</a:t>
             </a:r>
-            <a:endParaRPr lang="en-US"/>
+            <a:endParaRPr lang="en-US" dirty="0"/>
           </a:p>
         </p:txBody>
       </p:sp>
@@ -2141,7 +2195,7 @@
           <a:p>
             <a:fld id="{BF630BC5-027B-4D07-99E8-D646925C002F}" type="datetimeFigureOut">
               <a:rPr lang="en-US" smtClean="0"/>
-              <a:t>12/27/16</a:t>
+              <a:t>12/27/2016</a:t>
             </a:fld>
             <a:endParaRPr lang="en-US"/>
           </a:p>
@@ -2190,11 +2244,6 @@
         </p:txBody>
       </p:sp>
     </p:spTree>
-    <p:extLst>
-      <p:ext uri="{BB962C8B-B14F-4D97-AF65-F5344CB8AC3E}">
-        <p14:creationId xmlns:p14="http://schemas.microsoft.com/office/powerpoint/2010/main" val="3491737654"/>
-      </p:ext>
-    </p:extLst>
   </p:cSld>
   <p:clrMapOvr>
     <a:masterClrMapping/>
@@ -2238,7 +2287,7 @@
               <a:rPr lang="en-US" smtClean="0"/>
               <a:t>Click to edit Master title style</a:t>
             </a:r>
-            <a:endParaRPr lang="en-US"/>
+            <a:endParaRPr lang="en-US" dirty="0"/>
           </a:p>
         </p:txBody>
       </p:sp>
@@ -2259,7 +2308,7 @@
           <a:p>
             <a:fld id="{BF630BC5-027B-4D07-99E8-D646925C002F}" type="datetimeFigureOut">
               <a:rPr lang="en-US" smtClean="0"/>
-              <a:t>12/27/16</a:t>
+              <a:t>12/27/2016</a:t>
             </a:fld>
             <a:endParaRPr lang="en-US"/>
           </a:p>
@@ -2308,11 +2357,6 @@
         </p:txBody>
       </p:sp>
     </p:spTree>
-    <p:extLst>
-      <p:ext uri="{BB962C8B-B14F-4D97-AF65-F5344CB8AC3E}">
-        <p14:creationId xmlns:p14="http://schemas.microsoft.com/office/powerpoint/2010/main" val="1803486914"/>
-      </p:ext>
-    </p:extLst>
   </p:cSld>
   <p:clrMapOvr>
     <a:masterClrMapping/>
@@ -2354,7 +2398,7 @@
           <a:p>
             <a:fld id="{BF630BC5-027B-4D07-99E8-D646925C002F}" type="datetimeFigureOut">
               <a:rPr lang="en-US" smtClean="0"/>
-              <a:t>12/27/16</a:t>
+              <a:t>12/27/2016</a:t>
             </a:fld>
             <a:endParaRPr lang="en-US"/>
           </a:p>
@@ -2403,11 +2447,6 @@
         </p:txBody>
       </p:sp>
     </p:spTree>
-    <p:extLst>
-      <p:ext uri="{BB962C8B-B14F-4D97-AF65-F5344CB8AC3E}">
-        <p14:creationId xmlns:p14="http://schemas.microsoft.com/office/powerpoint/2010/main" val="3505041916"/>
-      </p:ext>
-    </p:extLst>
   </p:cSld>
   <p:clrMapOvr>
     <a:masterClrMapping/>
@@ -2444,8 +2483,8 @@
         </p:nvSpPr>
         <p:spPr>
           <a:xfrm>
-            <a:off x="839788" y="457200"/>
-            <a:ext cx="3932237" cy="1600200"/>
+            <a:off x="629841" y="457200"/>
+            <a:ext cx="2949178" cy="1600200"/>
           </a:xfrm>
         </p:spPr>
         <p:txBody>
@@ -2460,7 +2499,7 @@
               <a:rPr lang="en-US" smtClean="0"/>
               <a:t>Click to edit Master title style</a:t>
             </a:r>
-            <a:endParaRPr lang="en-US"/>
+            <a:endParaRPr lang="en-US" dirty="0"/>
           </a:p>
         </p:txBody>
       </p:sp>
@@ -2476,8 +2515,8 @@
         </p:nvSpPr>
         <p:spPr>
           <a:xfrm>
-            <a:off x="5183188" y="987425"/>
-            <a:ext cx="6172200" cy="4873625"/>
+            <a:off x="3887391" y="987426"/>
+            <a:ext cx="4629150" cy="4873625"/>
           </a:xfrm>
         </p:spPr>
         <p:txBody>
@@ -2515,7 +2554,7 @@
             <a:pPr lvl="0"/>
             <a:r>
               <a:rPr lang="en-US" smtClean="0"/>
-              <a:t>Edit Master text styles</a:t>
+              <a:t>Click to edit Master text styles</a:t>
             </a:r>
           </a:p>
           <a:p>
@@ -2545,7 +2584,7 @@
               <a:rPr lang="en-US" smtClean="0"/>
               <a:t>Fifth level</a:t>
             </a:r>
-            <a:endParaRPr lang="en-US"/>
+            <a:endParaRPr lang="en-US" dirty="0"/>
           </a:p>
         </p:txBody>
       </p:sp>
@@ -2561,8 +2600,8 @@
         </p:nvSpPr>
         <p:spPr>
           <a:xfrm>
-            <a:off x="839788" y="2057400"/>
-            <a:ext cx="3932237" cy="3811588"/>
+            <a:off x="629841" y="2057400"/>
+            <a:ext cx="2949178" cy="3811588"/>
           </a:xfrm>
         </p:spPr>
         <p:txBody>
@@ -2609,7 +2648,7 @@
             <a:pPr lvl="0"/>
             <a:r>
               <a:rPr lang="en-US" smtClean="0"/>
-              <a:t>Edit Master text styles</a:t>
+              <a:t>Click to edit Master text styles</a:t>
             </a:r>
           </a:p>
         </p:txBody>
@@ -2631,7 +2670,7 @@
           <a:p>
             <a:fld id="{BF630BC5-027B-4D07-99E8-D646925C002F}" type="datetimeFigureOut">
               <a:rPr lang="en-US" smtClean="0"/>
-              <a:t>12/27/16</a:t>
+              <a:t>12/27/2016</a:t>
             </a:fld>
             <a:endParaRPr lang="en-US"/>
           </a:p>
@@ -2680,11 +2719,6 @@
         </p:txBody>
       </p:sp>
     </p:spTree>
-    <p:extLst>
-      <p:ext uri="{BB962C8B-B14F-4D97-AF65-F5344CB8AC3E}">
-        <p14:creationId xmlns:p14="http://schemas.microsoft.com/office/powerpoint/2010/main" val="603923281"/>
-      </p:ext>
-    </p:extLst>
   </p:cSld>
   <p:clrMapOvr>
     <a:masterClrMapping/>
@@ -2721,8 +2755,8 @@
         </p:nvSpPr>
         <p:spPr>
           <a:xfrm>
-            <a:off x="839788" y="457200"/>
-            <a:ext cx="3932237" cy="1600200"/>
+            <a:off x="629841" y="457200"/>
+            <a:ext cx="2949178" cy="1600200"/>
           </a:xfrm>
         </p:spPr>
         <p:txBody>
@@ -2737,7 +2771,7 @@
               <a:rPr lang="en-US" smtClean="0"/>
               <a:t>Click to edit Master title style</a:t>
             </a:r>
-            <a:endParaRPr lang="en-US"/>
+            <a:endParaRPr lang="en-US" dirty="0"/>
           </a:p>
         </p:txBody>
       </p:sp>
@@ -2745,7 +2779,7 @@
         <p:nvSpPr>
           <p:cNvPr id="3" name="Picture Placeholder 2"/>
           <p:cNvSpPr>
-            <a:spLocks noGrp="1"/>
+            <a:spLocks noGrp="1" noChangeAspect="1"/>
           </p:cNvSpPr>
           <p:nvPr>
             <p:ph type="pic" idx="1"/>
@@ -2753,12 +2787,12 @@
         </p:nvSpPr>
         <p:spPr>
           <a:xfrm>
-            <a:off x="5183188" y="987425"/>
-            <a:ext cx="6172200" cy="4873625"/>
+            <a:off x="3887391" y="987426"/>
+            <a:ext cx="4629150" cy="4873625"/>
           </a:xfrm>
         </p:spPr>
         <p:txBody>
-          <a:bodyPr/>
+          <a:bodyPr anchor="t"/>
           <a:lstStyle>
             <a:lvl1pPr marL="0" indent="0">
               <a:buNone/>
@@ -2798,7 +2832,11 @@
             </a:lvl9pPr>
           </a:lstStyle>
           <a:p>
-            <a:endParaRPr lang="en-US"/>
+            <a:r>
+              <a:rPr lang="en-US" smtClean="0"/>
+              <a:t>Drag picture to placeholder or click icon to add</a:t>
+            </a:r>
+            <a:endParaRPr lang="en-US" dirty="0"/>
           </a:p>
         </p:txBody>
       </p:sp>
@@ -2814,8 +2852,8 @@
         </p:nvSpPr>
         <p:spPr>
           <a:xfrm>
-            <a:off x="839788" y="2057400"/>
-            <a:ext cx="3932237" cy="3811588"/>
+            <a:off x="629841" y="2057400"/>
+            <a:ext cx="2949178" cy="3811588"/>
           </a:xfrm>
         </p:spPr>
         <p:txBody>
@@ -2862,7 +2900,7 @@
             <a:pPr lvl="0"/>
             <a:r>
               <a:rPr lang="en-US" smtClean="0"/>
-              <a:t>Edit Master text styles</a:t>
+              <a:t>Click to edit Master text styles</a:t>
             </a:r>
           </a:p>
         </p:txBody>
@@ -2884,7 +2922,7 @@
           <a:p>
             <a:fld id="{BF630BC5-027B-4D07-99E8-D646925C002F}" type="datetimeFigureOut">
               <a:rPr lang="en-US" smtClean="0"/>
-              <a:t>12/27/16</a:t>
+              <a:t>12/27/2016</a:t>
             </a:fld>
             <a:endParaRPr lang="en-US"/>
           </a:p>
@@ -2933,11 +2971,6 @@
         </p:txBody>
       </p:sp>
     </p:spTree>
-    <p:extLst>
-      <p:ext uri="{BB962C8B-B14F-4D97-AF65-F5344CB8AC3E}">
-        <p14:creationId xmlns:p14="http://schemas.microsoft.com/office/powerpoint/2010/main" val="1749052572"/>
-      </p:ext>
-    </p:extLst>
   </p:cSld>
   <p:clrMapOvr>
     <a:masterClrMapping/>
@@ -2979,8 +3012,8 @@
         </p:nvSpPr>
         <p:spPr>
           <a:xfrm>
-            <a:off x="838200" y="365125"/>
-            <a:ext cx="10515600" cy="1325563"/>
+            <a:off x="628650" y="365126"/>
+            <a:ext cx="7886700" cy="1325563"/>
           </a:xfrm>
           <a:prstGeom prst="rect">
             <a:avLst/>
@@ -2996,7 +3029,7 @@
               <a:rPr lang="en-US" smtClean="0"/>
               <a:t>Click to edit Master title style</a:t>
             </a:r>
-            <a:endParaRPr lang="en-US"/>
+            <a:endParaRPr lang="en-US" dirty="0"/>
           </a:p>
         </p:txBody>
       </p:sp>
@@ -3012,8 +3045,8 @@
         </p:nvSpPr>
         <p:spPr>
           <a:xfrm>
-            <a:off x="838200" y="1825625"/>
-            <a:ext cx="10515600" cy="4351338"/>
+            <a:off x="628650" y="1825625"/>
+            <a:ext cx="7886700" cy="4351338"/>
           </a:xfrm>
           <a:prstGeom prst="rect">
             <a:avLst/>
@@ -3028,7 +3061,7 @@
             <a:pPr lvl="0"/>
             <a:r>
               <a:rPr lang="en-US" smtClean="0"/>
-              <a:t>Edit Master text styles</a:t>
+              <a:t>Click to edit Master text styles</a:t>
             </a:r>
           </a:p>
           <a:p>
@@ -3058,7 +3091,7 @@
               <a:rPr lang="en-US" smtClean="0"/>
               <a:t>Fifth level</a:t>
             </a:r>
-            <a:endParaRPr lang="en-US"/>
+            <a:endParaRPr lang="en-US" dirty="0"/>
           </a:p>
         </p:txBody>
       </p:sp>
@@ -3074,8 +3107,8 @@
         </p:nvSpPr>
         <p:spPr>
           <a:xfrm>
-            <a:off x="838200" y="6356350"/>
-            <a:ext cx="2743200" cy="365125"/>
+            <a:off x="628650" y="6356351"/>
+            <a:ext cx="2057400" cy="365125"/>
           </a:xfrm>
           <a:prstGeom prst="rect">
             <a:avLst/>
@@ -3097,7 +3130,7 @@
           <a:p>
             <a:fld id="{BF630BC5-027B-4D07-99E8-D646925C002F}" type="datetimeFigureOut">
               <a:rPr lang="en-US" smtClean="0"/>
-              <a:t>12/27/16</a:t>
+              <a:t>12/27/2016</a:t>
             </a:fld>
             <a:endParaRPr lang="en-US"/>
           </a:p>
@@ -3115,8 +3148,8 @@
         </p:nvSpPr>
         <p:spPr>
           <a:xfrm>
-            <a:off x="4038600" y="6356350"/>
-            <a:ext cx="4114800" cy="365125"/>
+            <a:off x="3028950" y="6356351"/>
+            <a:ext cx="3086100" cy="365125"/>
           </a:xfrm>
           <a:prstGeom prst="rect">
             <a:avLst/>
@@ -3152,8 +3185,8 @@
         </p:nvSpPr>
         <p:spPr>
           <a:xfrm>
-            <a:off x="8610600" y="6356350"/>
-            <a:ext cx="2743200" cy="365125"/>
+            <a:off x="6457950" y="6356351"/>
+            <a:ext cx="2057400" cy="365125"/>
           </a:xfrm>
           <a:prstGeom prst="rect">
             <a:avLst/>
@@ -3184,23 +3217,23 @@
     </p:spTree>
     <p:extLst>
       <p:ext uri="{BB962C8B-B14F-4D97-AF65-F5344CB8AC3E}">
-        <p14:creationId xmlns:p14="http://schemas.microsoft.com/office/powerpoint/2010/main" val="1279933162"/>
+        <p14:creationId xmlns:p14="http://schemas.microsoft.com/office/powerpoint/2010/main" val="761411201"/>
       </p:ext>
     </p:extLst>
   </p:cSld>
   <p:clrMap bg1="lt1" tx1="dk1" bg2="lt2" tx2="dk2" accent1="accent1" accent2="accent2" accent3="accent3" accent4="accent4" accent5="accent5" accent6="accent6" hlink="hlink" folHlink="folHlink"/>
   <p:sldLayoutIdLst>
-    <p:sldLayoutId id="2147483649" r:id="rId1"/>
-    <p:sldLayoutId id="2147483650" r:id="rId2"/>
-    <p:sldLayoutId id="2147483651" r:id="rId3"/>
-    <p:sldLayoutId id="2147483652" r:id="rId4"/>
-    <p:sldLayoutId id="2147483653" r:id="rId5"/>
-    <p:sldLayoutId id="2147483654" r:id="rId6"/>
-    <p:sldLayoutId id="2147483655" r:id="rId7"/>
-    <p:sldLayoutId id="2147483656" r:id="rId8"/>
-    <p:sldLayoutId id="2147483657" r:id="rId9"/>
-    <p:sldLayoutId id="2147483658" r:id="rId10"/>
-    <p:sldLayoutId id="2147483659" r:id="rId11"/>
+    <p:sldLayoutId id="2147483661" r:id="rId1"/>
+    <p:sldLayoutId id="2147483662" r:id="rId2"/>
+    <p:sldLayoutId id="2147483663" r:id="rId3"/>
+    <p:sldLayoutId id="2147483664" r:id="rId4"/>
+    <p:sldLayoutId id="2147483665" r:id="rId5"/>
+    <p:sldLayoutId id="2147483666" r:id="rId6"/>
+    <p:sldLayoutId id="2147483667" r:id="rId7"/>
+    <p:sldLayoutId id="2147483668" r:id="rId8"/>
+    <p:sldLayoutId id="2147483669" r:id="rId9"/>
+    <p:sldLayoutId id="2147483670" r:id="rId10"/>
+    <p:sldLayoutId id="2147483671" r:id="rId11"/>
   </p:sldLayoutIdLst>
   <p:txStyles>
     <p:titleStyle>
@@ -3561,6 +3594,129 @@
           </a:p>
         </p:txBody>
       </p:sp>
+      <p:sp>
+        <p:nvSpPr>
+          <p:cNvPr id="4" name="Rectangle 3"/>
+          <p:cNvSpPr/>
+          <p:nvPr/>
+        </p:nvSpPr>
+        <p:spPr>
+          <a:xfrm>
+            <a:off x="4758213" y="5810554"/>
+            <a:ext cx="3699987" cy="369332"/>
+          </a:xfrm>
+          <a:prstGeom prst="rect">
+            <a:avLst/>
+          </a:prstGeom>
+        </p:spPr>
+        <p:txBody>
+          <a:bodyPr wrap="none">
+            <a:spAutoFit/>
+          </a:bodyPr>
+          <a:lstStyle/>
+          <a:p>
+            <a:r>
+              <a:rPr lang="en-US" dirty="0"/>
+              <a:t>https://github.com/Sun-Jc/EtherLend</a:t>
+            </a:r>
+          </a:p>
+        </p:txBody>
+      </p:sp>
+      <p:pic>
+        <p:nvPicPr>
+          <p:cNvPr id="5" name="Picture 4"/>
+          <p:cNvPicPr>
+            <a:picLocks noChangeAspect="1"/>
+          </p:cNvPicPr>
+          <p:nvPr/>
+        </p:nvPicPr>
+        <p:blipFill>
+          <a:blip r:embed="rId3"/>
+          <a:stretch>
+            <a:fillRect/>
+          </a:stretch>
+        </p:blipFill>
+        <p:spPr>
+          <a:xfrm>
+            <a:off x="4319032" y="5745047"/>
+            <a:ext cx="505936" cy="500345"/>
+          </a:xfrm>
+          <a:prstGeom prst="rect">
+            <a:avLst/>
+          </a:prstGeom>
+        </p:spPr>
+      </p:pic>
+      <p:sp>
+        <p:nvSpPr>
+          <p:cNvPr id="6" name="Rectangle 5"/>
+          <p:cNvSpPr/>
+          <p:nvPr/>
+        </p:nvSpPr>
+        <p:spPr>
+          <a:xfrm>
+            <a:off x="3324906" y="6310899"/>
+            <a:ext cx="5819094" cy="369332"/>
+          </a:xfrm>
+          <a:prstGeom prst="rect">
+            <a:avLst/>
+          </a:prstGeom>
+        </p:spPr>
+        <p:txBody>
+          <a:bodyPr wrap="none">
+            <a:spAutoFit/>
+          </a:bodyPr>
+          <a:lstStyle/>
+          <a:p>
+            <a:r>
+              <a:rPr lang="en-US" dirty="0"/>
+              <a:t>Public </a:t>
+            </a:r>
+            <a:r>
+              <a:rPr lang="en-US" dirty="0" smtClean="0"/>
+              <a:t>Domain for API test</a:t>
+            </a:r>
+            <a:r>
+              <a:rPr lang="en-US" dirty="0"/>
+              <a:t>: http://</a:t>
+            </a:r>
+            <a:r>
+              <a:rPr lang="en-US" dirty="0" smtClean="0"/>
+              <a:t>taoli.tsinghuax.org:8085/</a:t>
+            </a:r>
+            <a:endParaRPr lang="en-US" dirty="0"/>
+          </a:p>
+        </p:txBody>
+      </p:sp>
+      <p:pic>
+        <p:nvPicPr>
+          <p:cNvPr id="7" name="Picture 6"/>
+          <p:cNvPicPr>
+            <a:picLocks noChangeAspect="1"/>
+          </p:cNvPicPr>
+          <p:nvPr/>
+        </p:nvPicPr>
+        <p:blipFill>
+          <a:blip r:embed="rId4">
+            <a:extLst>
+              <a:ext uri="{28A0092B-C50C-407E-A947-70E740481C1C}">
+                <a14:useLocalDpi xmlns:a14="http://schemas.microsoft.com/office/drawing/2010/main" val="0"/>
+              </a:ext>
+            </a:extLst>
+          </a:blip>
+          <a:stretch>
+            <a:fillRect/>
+          </a:stretch>
+        </p:blipFill>
+        <p:spPr>
+          <a:xfrm>
+            <a:off x="685800" y="569609"/>
+            <a:ext cx="1974273" cy="1828349"/>
+          </a:xfrm>
+          <a:prstGeom prst="rect">
+            <a:avLst/>
+          </a:prstGeom>
+        </p:spPr>
+      </p:pic>
     </p:spTree>
     <p:extLst>
       <p:ext uri="{BB962C8B-B14F-4D97-AF65-F5344CB8AC3E}">
@@ -3571,6 +3727,13 @@
   <p:clrMapOvr>
     <a:masterClrMapping/>
   </p:clrMapOvr>
+  <p:timing>
+    <p:tnLst>
+      <p:par>
+        <p:cTn id="1" dur="indefinite" restart="never" nodeType="tmRoot"/>
+      </p:par>
+    </p:tnLst>
+  </p:timing>
 </p:sld>
 </file>
 
@@ -3607,470 +3770,58 @@
           <a:lstStyle/>
           <a:p>
             <a:r>
-              <a:rPr lang="en-US" dirty="0" smtClean="0"/>
-              <a:t>Sealed Second Price Auction</a:t>
-            </a:r>
-            <a:endParaRPr lang="en-US" dirty="0"/>
-          </a:p>
-        </p:txBody>
-      </p:sp>
-      <p:graphicFrame>
-        <p:nvGraphicFramePr>
+              <a:rPr lang="en-US" dirty="0"/>
+              <a:t>Replicated State Machine</a:t>
+            </a:r>
+          </a:p>
+        </p:txBody>
+      </p:sp>
+      <p:pic>
+        <p:nvPicPr>
           <p:cNvPr id="4" name="Content Placeholder 3"/>
-          <p:cNvGraphicFramePr>
-            <a:graphicFrameLocks noGrp="1"/>
-          </p:cNvGraphicFramePr>
+          <p:cNvPicPr>
+            <a:picLocks noGrp="1" noChangeAspect="1"/>
+          </p:cNvPicPr>
           <p:nvPr>
             <p:ph idx="1"/>
-            <p:extLst>
-              <p:ext uri="{D42A27DB-BD31-4B8C-83A1-F6EECF244321}">
-                <p14:modId xmlns:p14="http://schemas.microsoft.com/office/powerpoint/2010/main" val="2056566033"/>
-              </p:ext>
-            </p:extLst>
-          </p:nvPr>
-        </p:nvGraphicFramePr>
-        <p:xfrm>
-          <a:off x="838200" y="2022764"/>
-          <a:ext cx="10515600" cy="3796145"/>
-        </p:xfrm>
-        <a:graphic>
-          <a:graphicData uri="http://schemas.openxmlformats.org/drawingml/2006/table">
-            <a:tbl>
-              <a:tblPr firstRow="1" bandRow="1">
-                <a:tableStyleId>{5C22544A-7EE6-4342-B048-85BDC9FD1C3A}</a:tableStyleId>
-              </a:tblPr>
-              <a:tblGrid>
-                <a:gridCol w="2103120">
-                  <a:extLst>
-                    <a:ext uri="{9D8B030D-6E8A-4147-A177-3AD203B41FA5}">
-                      <a16:colId xmlns="" xmlns:a16="http://schemas.microsoft.com/office/drawing/2014/main" val="1205294342"/>
-                    </a:ext>
-                  </a:extLst>
-                </a:gridCol>
-                <a:gridCol w="2103120">
-                  <a:extLst>
-                    <a:ext uri="{9D8B030D-6E8A-4147-A177-3AD203B41FA5}">
-                      <a16:colId xmlns="" xmlns:a16="http://schemas.microsoft.com/office/drawing/2014/main" val="1967479225"/>
-                    </a:ext>
-                  </a:extLst>
-                </a:gridCol>
-                <a:gridCol w="2103120">
-                  <a:extLst>
-                    <a:ext uri="{9D8B030D-6E8A-4147-A177-3AD203B41FA5}">
-                      <a16:colId xmlns="" xmlns:a16="http://schemas.microsoft.com/office/drawing/2014/main" val="2489586927"/>
-                    </a:ext>
-                  </a:extLst>
-                </a:gridCol>
-                <a:gridCol w="2103120">
-                  <a:extLst>
-                    <a:ext uri="{9D8B030D-6E8A-4147-A177-3AD203B41FA5}">
-                      <a16:colId xmlns="" xmlns:a16="http://schemas.microsoft.com/office/drawing/2014/main" val="3017128060"/>
-                    </a:ext>
-                  </a:extLst>
-                </a:gridCol>
-                <a:gridCol w="2103120">
-                  <a:extLst>
-                    <a:ext uri="{9D8B030D-6E8A-4147-A177-3AD203B41FA5}">
-                      <a16:colId xmlns="" xmlns:a16="http://schemas.microsoft.com/office/drawing/2014/main" val="3988635764"/>
-                    </a:ext>
-                  </a:extLst>
-                </a:gridCol>
-              </a:tblGrid>
-              <a:tr h="759229">
-                <a:tc>
-                  <a:txBody>
-                    <a:bodyPr/>
-                    <a:lstStyle/>
-                    <a:p>
-                      <a:endParaRPr lang="en-US" dirty="0"/>
-                    </a:p>
-                  </a:txBody>
-                  <a:tcPr/>
-                </a:tc>
-                <a:tc>
-                  <a:txBody>
-                    <a:bodyPr/>
-                    <a:lstStyle/>
-                    <a:p>
-                      <a:r>
-                        <a:rPr lang="en-US" dirty="0" smtClean="0"/>
-                        <a:t>Alice</a:t>
-                      </a:r>
-                      <a:endParaRPr lang="en-US" dirty="0"/>
-                    </a:p>
-                  </a:txBody>
-                  <a:tcPr/>
-                </a:tc>
-                <a:tc>
-                  <a:txBody>
-                    <a:bodyPr/>
-                    <a:lstStyle/>
-                    <a:p>
-                      <a:r>
-                        <a:rPr lang="en-US" dirty="0" smtClean="0"/>
-                        <a:t>Bob</a:t>
-                      </a:r>
-                      <a:endParaRPr lang="en-US" dirty="0"/>
-                    </a:p>
-                  </a:txBody>
-                  <a:tcPr/>
-                </a:tc>
-                <a:tc>
-                  <a:txBody>
-                    <a:bodyPr/>
-                    <a:lstStyle/>
-                    <a:p>
-                      <a:r>
-                        <a:rPr lang="en-US" dirty="0" smtClean="0"/>
-                        <a:t>Charlie</a:t>
-                      </a:r>
-                      <a:endParaRPr lang="en-US" dirty="0"/>
-                    </a:p>
-                  </a:txBody>
-                  <a:tcPr/>
-                </a:tc>
-                <a:tc>
-                  <a:txBody>
-                    <a:bodyPr/>
-                    <a:lstStyle/>
-                    <a:p>
-                      <a:r>
-                        <a:rPr lang="en-US" dirty="0" smtClean="0"/>
-                        <a:t>Sum</a:t>
-                      </a:r>
-                      <a:endParaRPr lang="en-US" dirty="0"/>
-                    </a:p>
-                  </a:txBody>
-                  <a:tcPr/>
-                </a:tc>
-                <a:extLst>
-                  <a:ext uri="{0D108BD9-81ED-4DB2-BD59-A6C34878D82A}">
-                    <a16:rowId xmlns="" xmlns:a16="http://schemas.microsoft.com/office/drawing/2014/main" val="3998582811"/>
-                  </a:ext>
-                </a:extLst>
-              </a:tr>
-              <a:tr h="759229">
-                <a:tc>
-                  <a:txBody>
-                    <a:bodyPr/>
-                    <a:lstStyle/>
-                    <a:p>
-                      <a:r>
-                        <a:rPr lang="en-US" dirty="0" smtClean="0"/>
-                        <a:t>Month 1</a:t>
-                      </a:r>
-                      <a:endParaRPr lang="en-US" dirty="0"/>
-                    </a:p>
-                  </a:txBody>
-                  <a:tcPr/>
-                </a:tc>
-                <a:tc>
-                  <a:txBody>
-                    <a:bodyPr/>
-                    <a:lstStyle/>
-                    <a:p>
-                      <a:r>
-                        <a:rPr lang="en-US" b="1" dirty="0" smtClean="0"/>
-                        <a:t>+16 (13)</a:t>
-                      </a:r>
-                      <a:endParaRPr lang="en-US" b="1" dirty="0"/>
-                    </a:p>
-                  </a:txBody>
-                  <a:tcPr/>
-                </a:tc>
-                <a:tc>
-                  <a:txBody>
-                    <a:bodyPr/>
-                    <a:lstStyle/>
-                    <a:p>
-                      <a:r>
-                        <a:rPr lang="en-US" dirty="0" smtClean="0"/>
-                        <a:t>-8 (12)</a:t>
-                      </a:r>
-                      <a:endParaRPr lang="en-US" dirty="0"/>
-                    </a:p>
-                  </a:txBody>
-                  <a:tcPr/>
-                </a:tc>
-                <a:tc>
-                  <a:txBody>
-                    <a:bodyPr/>
-                    <a:lstStyle/>
-                    <a:p>
-                      <a:r>
-                        <a:rPr lang="en-US" dirty="0" smtClean="0"/>
-                        <a:t>-8 (11)</a:t>
-                      </a:r>
-                      <a:endParaRPr lang="en-US" dirty="0"/>
-                    </a:p>
-                  </a:txBody>
-                  <a:tcPr/>
-                </a:tc>
-                <a:tc>
-                  <a:txBody>
-                    <a:bodyPr/>
-                    <a:lstStyle/>
-                    <a:p>
-                      <a:r>
-                        <a:rPr lang="en-US" dirty="0" smtClean="0"/>
-                        <a:t>0</a:t>
-                      </a:r>
-                      <a:endParaRPr lang="en-US" dirty="0"/>
-                    </a:p>
-                  </a:txBody>
-                  <a:tcPr/>
-                </a:tc>
-                <a:extLst>
-                  <a:ext uri="{0D108BD9-81ED-4DB2-BD59-A6C34878D82A}">
-                    <a16:rowId xmlns="" xmlns:a16="http://schemas.microsoft.com/office/drawing/2014/main" val="2694499608"/>
-                  </a:ext>
-                </a:extLst>
-              </a:tr>
-              <a:tr h="759229">
-                <a:tc>
-                  <a:txBody>
-                    <a:bodyPr/>
-                    <a:lstStyle/>
-                    <a:p>
-                      <a:r>
-                        <a:rPr lang="en-US" dirty="0" smtClean="0"/>
-                        <a:t>Month 2</a:t>
-                      </a:r>
-                      <a:endParaRPr lang="en-US" dirty="0"/>
-                    </a:p>
-                  </a:txBody>
-                  <a:tcPr/>
-                </a:tc>
-                <a:tc>
-                  <a:txBody>
-                    <a:bodyPr/>
-                    <a:lstStyle/>
-                    <a:p>
-                      <a:r>
-                        <a:rPr lang="en-US" dirty="0" smtClean="0"/>
-                        <a:t>-10 (13)</a:t>
-                      </a:r>
-                      <a:endParaRPr lang="en-US" dirty="0"/>
-                    </a:p>
-                  </a:txBody>
-                  <a:tcPr/>
-                </a:tc>
-                <a:tc>
-                  <a:txBody>
-                    <a:bodyPr/>
-                    <a:lstStyle/>
-                    <a:p>
-                      <a:r>
-                        <a:rPr lang="en-US" b="1" dirty="0" smtClean="0"/>
-                        <a:t>+19 (12)</a:t>
-                      </a:r>
-                      <a:endParaRPr lang="en-US" b="1" dirty="0"/>
-                    </a:p>
-                  </a:txBody>
-                  <a:tcPr/>
-                </a:tc>
-                <a:tc>
-                  <a:txBody>
-                    <a:bodyPr/>
-                    <a:lstStyle/>
-                    <a:p>
-                      <a:r>
-                        <a:rPr lang="en-US" dirty="0" smtClean="0"/>
-                        <a:t>-9 (11)</a:t>
-                      </a:r>
-                      <a:endParaRPr lang="en-US" dirty="0"/>
-                    </a:p>
-                  </a:txBody>
-                  <a:tcPr/>
-                </a:tc>
-                <a:tc>
-                  <a:txBody>
-                    <a:bodyPr/>
-                    <a:lstStyle/>
-                    <a:p>
-                      <a:r>
-                        <a:rPr lang="en-US" dirty="0" smtClean="0"/>
-                        <a:t>0</a:t>
-                      </a:r>
-                      <a:endParaRPr lang="en-US" dirty="0"/>
-                    </a:p>
-                  </a:txBody>
-                  <a:tcPr/>
-                </a:tc>
-                <a:extLst>
-                  <a:ext uri="{0D108BD9-81ED-4DB2-BD59-A6C34878D82A}">
-                    <a16:rowId xmlns="" xmlns:a16="http://schemas.microsoft.com/office/drawing/2014/main" val="1987319501"/>
-                  </a:ext>
-                </a:extLst>
-              </a:tr>
-              <a:tr h="759229">
-                <a:tc>
-                  <a:txBody>
-                    <a:bodyPr/>
-                    <a:lstStyle/>
-                    <a:p>
-                      <a:r>
-                        <a:rPr lang="en-US" dirty="0" smtClean="0"/>
-                        <a:t>Month 3</a:t>
-                      </a:r>
-                      <a:endParaRPr lang="en-US" dirty="0"/>
-                    </a:p>
-                  </a:txBody>
-                  <a:tcPr/>
-                </a:tc>
-                <a:tc>
-                  <a:txBody>
-                    <a:bodyPr/>
-                    <a:lstStyle/>
-                    <a:p>
-                      <a:r>
-                        <a:rPr lang="en-US" dirty="0" smtClean="0"/>
-                        <a:t>-10 (13)</a:t>
-                      </a:r>
-                      <a:endParaRPr lang="en-US" dirty="0"/>
-                    </a:p>
-                  </a:txBody>
-                  <a:tcPr/>
-                </a:tc>
-                <a:tc>
-                  <a:txBody>
-                    <a:bodyPr/>
-                    <a:lstStyle/>
-                    <a:p>
-                      <a:r>
-                        <a:rPr lang="en-US" dirty="0" smtClean="0"/>
-                        <a:t>-10 (12)</a:t>
-                      </a:r>
-                      <a:endParaRPr lang="en-US" dirty="0"/>
-                    </a:p>
-                  </a:txBody>
-                  <a:tcPr/>
-                </a:tc>
-                <a:tc>
-                  <a:txBody>
-                    <a:bodyPr/>
-                    <a:lstStyle/>
-                    <a:p>
-                      <a:r>
-                        <a:rPr lang="en-US" b="1" dirty="0" smtClean="0"/>
-                        <a:t>+20 (11)</a:t>
-                      </a:r>
-                      <a:endParaRPr lang="en-US" b="1" dirty="0"/>
-                    </a:p>
-                  </a:txBody>
-                  <a:tcPr/>
-                </a:tc>
-                <a:tc>
-                  <a:txBody>
-                    <a:bodyPr/>
-                    <a:lstStyle/>
-                    <a:p>
-                      <a:r>
-                        <a:rPr lang="en-US" dirty="0" smtClean="0"/>
-                        <a:t>0</a:t>
-                      </a:r>
-                      <a:endParaRPr lang="en-US" dirty="0"/>
-                    </a:p>
-                  </a:txBody>
-                  <a:tcPr/>
-                </a:tc>
-                <a:extLst>
-                  <a:ext uri="{0D108BD9-81ED-4DB2-BD59-A6C34878D82A}">
-                    <a16:rowId xmlns="" xmlns:a16="http://schemas.microsoft.com/office/drawing/2014/main" val="2873965669"/>
-                  </a:ext>
-                </a:extLst>
-              </a:tr>
-              <a:tr h="759229">
-                <a:tc>
-                  <a:txBody>
-                    <a:bodyPr/>
-                    <a:lstStyle/>
-                    <a:p>
-                      <a:r>
-                        <a:rPr lang="en-US" dirty="0" smtClean="0"/>
-                        <a:t>Sum</a:t>
-                      </a:r>
-                      <a:endParaRPr lang="en-US" dirty="0"/>
-                    </a:p>
-                  </a:txBody>
-                  <a:tcPr/>
-                </a:tc>
-                <a:tc>
-                  <a:txBody>
-                    <a:bodyPr/>
-                    <a:lstStyle/>
-                    <a:p>
-                      <a:r>
-                        <a:rPr lang="en-US" dirty="0" smtClean="0"/>
-                        <a:t>-4</a:t>
-                      </a:r>
-                      <a:endParaRPr lang="en-US" dirty="0"/>
-                    </a:p>
-                  </a:txBody>
-                  <a:tcPr/>
-                </a:tc>
-                <a:tc>
-                  <a:txBody>
-                    <a:bodyPr/>
-                    <a:lstStyle/>
-                    <a:p>
-                      <a:r>
-                        <a:rPr lang="en-US" dirty="0" smtClean="0"/>
-                        <a:t>+1</a:t>
-                      </a:r>
-                      <a:endParaRPr lang="en-US" dirty="0"/>
-                    </a:p>
-                  </a:txBody>
-                  <a:tcPr/>
-                </a:tc>
-                <a:tc>
-                  <a:txBody>
-                    <a:bodyPr/>
-                    <a:lstStyle/>
-                    <a:p>
-                      <a:r>
-                        <a:rPr lang="en-US" dirty="0" smtClean="0"/>
-                        <a:t>+3</a:t>
-                      </a:r>
-                      <a:endParaRPr lang="en-US" dirty="0"/>
-                    </a:p>
-                  </a:txBody>
-                  <a:tcPr/>
-                </a:tc>
-                <a:tc>
-                  <a:txBody>
-                    <a:bodyPr/>
-                    <a:lstStyle/>
-                    <a:p>
-                      <a:r>
-                        <a:rPr lang="en-US" dirty="0" smtClean="0"/>
-                        <a:t>0</a:t>
-                      </a:r>
-                      <a:endParaRPr lang="en-US" dirty="0"/>
-                    </a:p>
-                  </a:txBody>
-                  <a:tcPr/>
-                </a:tc>
-                <a:extLst>
-                  <a:ext uri="{0D108BD9-81ED-4DB2-BD59-A6C34878D82A}">
-                    <a16:rowId xmlns="" xmlns:a16="http://schemas.microsoft.com/office/drawing/2014/main" val="2246782234"/>
-                  </a:ext>
-                </a:extLst>
-              </a:tr>
-            </a:tbl>
-          </a:graphicData>
-        </a:graphic>
-      </p:graphicFrame>
+          </p:nvPr>
+        </p:nvPicPr>
+        <p:blipFill>
+          <a:blip r:embed="rId2">
+            <a:extLst>
+              <a:ext uri="{28A0092B-C50C-407E-A947-70E740481C1C}">
+                <a14:useLocalDpi xmlns:a14="http://schemas.microsoft.com/office/drawing/2010/main" val="0"/>
+              </a:ext>
+            </a:extLst>
+          </a:blip>
+          <a:stretch>
+            <a:fillRect/>
+          </a:stretch>
+        </p:blipFill>
+        <p:spPr>
+          <a:xfrm>
+            <a:off x="2029319" y="2226469"/>
+            <a:ext cx="5085362" cy="3263504"/>
+          </a:xfrm>
+        </p:spPr>
+      </p:pic>
     </p:spTree>
     <p:extLst>
       <p:ext uri="{BB962C8B-B14F-4D97-AF65-F5344CB8AC3E}">
-        <p14:creationId xmlns:p14="http://schemas.microsoft.com/office/powerpoint/2010/main" val="1993186013"/>
+        <p14:creationId xmlns:p14="http://schemas.microsoft.com/office/powerpoint/2010/main" val="3862841420"/>
       </p:ext>
     </p:extLst>
   </p:cSld>
   <p:clrMapOvr>
     <a:masterClrMapping/>
   </p:clrMapOvr>
+  <p:timing>
+    <p:tnLst>
+      <p:par>
+        <p:cTn id="1" dur="indefinite" restart="never" nodeType="tmRoot"/>
+      </p:par>
+    </p:tnLst>
+  </p:timing>
 </p:sld>
 </file>
 
@@ -4093,6 +3844,38 @@
       </p:grpSpPr>
       <p:sp>
         <p:nvSpPr>
+          <p:cNvPr id="2" name="Title 1"/>
+          <p:cNvSpPr>
+            <a:spLocks noGrp="1"/>
+          </p:cNvSpPr>
+          <p:nvPr>
+            <p:ph type="title"/>
+          </p:nvPr>
+        </p:nvSpPr>
+        <p:spPr>
+          <a:xfrm>
+            <a:off x="3228549" y="4939965"/>
+            <a:ext cx="4134778" cy="994172"/>
+          </a:xfrm>
+        </p:spPr>
+        <p:txBody>
+          <a:bodyPr/>
+          <a:lstStyle/>
+          <a:p>
+            <a:r>
+              <a:rPr lang="en-US" dirty="0" err="1" smtClean="0"/>
+              <a:t>WebApp</a:t>
+            </a:r>
+            <a:r>
+              <a:rPr lang="en-US" dirty="0" smtClean="0"/>
+              <a:t> Demo</a:t>
+            </a:r>
+            <a:endParaRPr lang="en-US" dirty="0"/>
+          </a:p>
+        </p:txBody>
+      </p:sp>
+      <p:sp>
+        <p:nvSpPr>
           <p:cNvPr id="3" name="Content Placeholder 2"/>
           <p:cNvSpPr>
             <a:spLocks noGrp="1"/>
@@ -4106,7 +3889,7 @@
           <a:bodyPr/>
           <a:lstStyle/>
           <a:p>
-            <a:endParaRPr lang="en-US"/>
+            <a:endParaRPr lang="en-US" dirty="0"/>
           </a:p>
         </p:txBody>
       </p:sp>
@@ -4126,46 +3909,14 @@
         </p:blipFill>
         <p:spPr>
           <a:xfrm>
-            <a:off x="667602" y="276035"/>
-            <a:ext cx="10073185" cy="6295741"/>
+            <a:off x="500702" y="1064277"/>
+            <a:ext cx="7554889" cy="4721806"/>
           </a:xfrm>
           <a:prstGeom prst="rect">
             <a:avLst/>
           </a:prstGeom>
         </p:spPr>
       </p:pic>
-      <p:sp>
-        <p:nvSpPr>
-          <p:cNvPr id="2" name="Title 1"/>
-          <p:cNvSpPr>
-            <a:spLocks noGrp="1"/>
-          </p:cNvSpPr>
-          <p:nvPr>
-            <p:ph type="title"/>
-          </p:nvPr>
-        </p:nvSpPr>
-        <p:spPr>
-          <a:xfrm>
-            <a:off x="4304731" y="5443619"/>
-            <a:ext cx="5513037" cy="1325563"/>
-          </a:xfrm>
-        </p:spPr>
-        <p:txBody>
-          <a:bodyPr/>
-          <a:lstStyle/>
-          <a:p>
-            <a:r>
-              <a:rPr lang="en-US" dirty="0" err="1" smtClean="0"/>
-              <a:t>WebApp</a:t>
-            </a:r>
-            <a:r>
-              <a:rPr lang="en-US" dirty="0" smtClean="0"/>
-              <a:t> Demo</a:t>
-            </a:r>
-            <a:endParaRPr lang="en-US" dirty="0"/>
-          </a:p>
-        </p:txBody>
-      </p:sp>
     </p:spTree>
     <p:extLst>
       <p:ext uri="{BB962C8B-B14F-4D97-AF65-F5344CB8AC3E}">
@@ -4176,6 +3927,13 @@
   <p:clrMapOvr>
     <a:masterClrMapping/>
   </p:clrMapOvr>
+  <p:timing>
+    <p:tnLst>
+      <p:par>
+        <p:cTn id="1" dur="indefinite" restart="never" nodeType="tmRoot"/>
+      </p:par>
+    </p:tnLst>
+  </p:timing>
 </p:sld>
 </file>
 
@@ -4206,7 +3964,12 @@
             <p:ph type="title"/>
           </p:nvPr>
         </p:nvSpPr>
-        <p:spPr/>
+        <p:spPr>
+          <a:xfrm>
+            <a:off x="436921" y="129152"/>
+            <a:ext cx="7886700" cy="1325563"/>
+          </a:xfrm>
+        </p:spPr>
         <p:txBody>
           <a:bodyPr/>
           <a:lstStyle/>
@@ -4230,7 +3993,7 @@
           </p:nvPr>
         </p:nvPicPr>
         <p:blipFill>
-          <a:blip r:embed="rId2">
+          <a:blip r:embed="rId2" cstate="print">
             <a:extLst>
               <a:ext uri="{28A0092B-C50C-407E-A947-70E740481C1C}">
                 <a14:useLocalDpi xmlns:a14="http://schemas.microsoft.com/office/drawing/2010/main" val="0"/>
@@ -4243,8 +4006,8 @@
         </p:blipFill>
         <p:spPr>
           <a:xfrm>
-            <a:off x="8087334" y="72644"/>
-            <a:ext cx="3858859" cy="6860196"/>
+            <a:off x="6065501" y="911733"/>
+            <a:ext cx="2894144" cy="5145147"/>
           </a:xfrm>
         </p:spPr>
       </p:pic>
@@ -4264,8 +4027,8 @@
         </p:blipFill>
         <p:spPr>
           <a:xfrm>
-            <a:off x="4196702" y="72644"/>
-            <a:ext cx="3798595" cy="6710516"/>
+            <a:off x="3147527" y="911733"/>
+            <a:ext cx="2848946" cy="5032887"/>
           </a:xfrm>
           <a:prstGeom prst="rect">
             <a:avLst/>
@@ -4348,7 +4111,7 @@
           <a:bodyPr/>
           <a:lstStyle/>
           <a:p>
-            <a:endParaRPr lang="en-US"/>
+            <a:endParaRPr lang="en-US" dirty="0"/>
           </a:p>
         </p:txBody>
       </p:sp>
@@ -4372,6 +4135,345 @@
 </p:sld>
 </file>
 
+<file path=ppt/slides/slide14.xml><?xml version="1.0" encoding="utf-8"?>
+<p:sld xmlns:a="http://schemas.openxmlformats.org/drawingml/2006/main" xmlns:r="http://schemas.openxmlformats.org/officeDocument/2006/relationships" xmlns:p="http://schemas.openxmlformats.org/presentationml/2006/main">
+  <p:cSld>
+    <p:spTree>
+      <p:nvGrpSpPr>
+        <p:cNvPr id="1" name=""/>
+        <p:cNvGrpSpPr/>
+        <p:nvPr/>
+      </p:nvGrpSpPr>
+      <p:grpSpPr>
+        <a:xfrm>
+          <a:off x="0" y="0"/>
+          <a:ext cx="0" cy="0"/>
+          <a:chOff x="0" y="0"/>
+          <a:chExt cx="0" cy="0"/>
+        </a:xfrm>
+      </p:grpSpPr>
+      <p:sp>
+        <p:nvSpPr>
+          <p:cNvPr id="2" name="Title 1"/>
+          <p:cNvSpPr>
+            <a:spLocks noGrp="1"/>
+          </p:cNvSpPr>
+          <p:nvPr>
+            <p:ph type="title"/>
+          </p:nvPr>
+        </p:nvSpPr>
+        <p:spPr/>
+        <p:txBody>
+          <a:bodyPr/>
+          <a:lstStyle/>
+          <a:p>
+            <a:r>
+              <a:rPr lang="en-US" dirty="0" smtClean="0"/>
+              <a:t>Future work</a:t>
+            </a:r>
+            <a:endParaRPr lang="en-US" dirty="0"/>
+          </a:p>
+        </p:txBody>
+      </p:sp>
+      <p:sp>
+        <p:nvSpPr>
+          <p:cNvPr id="3" name="Content Placeholder 2"/>
+          <p:cNvSpPr>
+            <a:spLocks noGrp="1"/>
+          </p:cNvSpPr>
+          <p:nvPr>
+            <p:ph idx="1"/>
+          </p:nvPr>
+        </p:nvSpPr>
+        <p:spPr/>
+        <p:txBody>
+          <a:bodyPr/>
+          <a:lstStyle/>
+          <a:p>
+            <a:r>
+              <a:rPr lang="en-US" dirty="0"/>
+              <a:t>SPV approach: </a:t>
+            </a:r>
+            <a:r>
+              <a:rPr lang="en-US" dirty="0" err="1"/>
+              <a:t>Ethereum</a:t>
+            </a:r>
+            <a:r>
+              <a:rPr lang="en-US" dirty="0"/>
+              <a:t> mobile</a:t>
+            </a:r>
+          </a:p>
+          <a:p>
+            <a:r>
+              <a:rPr lang="en-US" dirty="0"/>
+              <a:t>Accounts security</a:t>
+            </a:r>
+          </a:p>
+          <a:p>
+            <a:r>
+              <a:rPr lang="en-US" dirty="0"/>
+              <a:t>More complicated rules</a:t>
+            </a:r>
+          </a:p>
+          <a:p>
+            <a:r>
+              <a:rPr lang="en-US" dirty="0"/>
+              <a:t>Credit </a:t>
+            </a:r>
+            <a:r>
+              <a:rPr lang="en-US" dirty="0" smtClean="0"/>
+              <a:t>System</a:t>
+            </a:r>
+          </a:p>
+          <a:p>
+            <a:endParaRPr lang="en-US" dirty="0"/>
+          </a:p>
+        </p:txBody>
+      </p:sp>
+      <p:pic>
+        <p:nvPicPr>
+          <p:cNvPr id="4" name="Picture 3"/>
+          <p:cNvPicPr>
+            <a:picLocks noChangeAspect="1"/>
+          </p:cNvPicPr>
+          <p:nvPr/>
+        </p:nvPicPr>
+        <p:blipFill>
+          <a:blip r:embed="rId2">
+            <a:extLst>
+              <a:ext uri="{28A0092B-C50C-407E-A947-70E740481C1C}">
+                <a14:useLocalDpi xmlns:a14="http://schemas.microsoft.com/office/drawing/2010/main" val="0"/>
+              </a:ext>
+            </a:extLst>
+          </a:blip>
+          <a:stretch>
+            <a:fillRect/>
+          </a:stretch>
+        </p:blipFill>
+        <p:spPr>
+          <a:xfrm>
+            <a:off x="685800" y="4417043"/>
+            <a:ext cx="1974273" cy="1828349"/>
+          </a:xfrm>
+          <a:prstGeom prst="rect">
+            <a:avLst/>
+          </a:prstGeom>
+        </p:spPr>
+      </p:pic>
+      <p:pic>
+        <p:nvPicPr>
+          <p:cNvPr id="5" name="Picture 4"/>
+          <p:cNvPicPr>
+            <a:picLocks noChangeAspect="1"/>
+          </p:cNvPicPr>
+          <p:nvPr/>
+        </p:nvPicPr>
+        <p:blipFill>
+          <a:blip r:embed="rId3"/>
+          <a:stretch>
+            <a:fillRect/>
+          </a:stretch>
+        </p:blipFill>
+        <p:spPr>
+          <a:xfrm>
+            <a:off x="4319032" y="5745047"/>
+            <a:ext cx="505936" cy="500345"/>
+          </a:xfrm>
+          <a:prstGeom prst="rect">
+            <a:avLst/>
+          </a:prstGeom>
+        </p:spPr>
+      </p:pic>
+      <p:sp>
+        <p:nvSpPr>
+          <p:cNvPr id="6" name="Rectangle 5"/>
+          <p:cNvSpPr/>
+          <p:nvPr/>
+        </p:nvSpPr>
+        <p:spPr>
+          <a:xfrm>
+            <a:off x="4758213" y="5810554"/>
+            <a:ext cx="3699987" cy="369332"/>
+          </a:xfrm>
+          <a:prstGeom prst="rect">
+            <a:avLst/>
+          </a:prstGeom>
+        </p:spPr>
+        <p:txBody>
+          <a:bodyPr wrap="none">
+            <a:spAutoFit/>
+          </a:bodyPr>
+          <a:lstStyle/>
+          <a:p>
+            <a:r>
+              <a:rPr lang="en-US" dirty="0"/>
+              <a:t>https://github.com/Sun-Jc/EtherLend</a:t>
+            </a:r>
+          </a:p>
+        </p:txBody>
+      </p:sp>
+      <p:sp>
+        <p:nvSpPr>
+          <p:cNvPr id="7" name="Rectangle 6"/>
+          <p:cNvSpPr/>
+          <p:nvPr/>
+        </p:nvSpPr>
+        <p:spPr>
+          <a:xfrm>
+            <a:off x="2753406" y="5308247"/>
+            <a:ext cx="5819094" cy="369332"/>
+          </a:xfrm>
+          <a:prstGeom prst="rect">
+            <a:avLst/>
+          </a:prstGeom>
+        </p:spPr>
+        <p:txBody>
+          <a:bodyPr wrap="none">
+            <a:spAutoFit/>
+          </a:bodyPr>
+          <a:lstStyle/>
+          <a:p>
+            <a:r>
+              <a:rPr lang="en-US" dirty="0"/>
+              <a:t>Public </a:t>
+            </a:r>
+            <a:r>
+              <a:rPr lang="en-US" dirty="0" smtClean="0"/>
+              <a:t>Domain for API test</a:t>
+            </a:r>
+            <a:r>
+              <a:rPr lang="en-US" dirty="0"/>
+              <a:t>: http://</a:t>
+            </a:r>
+            <a:r>
+              <a:rPr lang="en-US" dirty="0" smtClean="0"/>
+              <a:t>taoli.tsinghuax.org:8085/</a:t>
+            </a:r>
+            <a:endParaRPr lang="en-US" dirty="0"/>
+          </a:p>
+        </p:txBody>
+      </p:sp>
+      <p:sp>
+        <p:nvSpPr>
+          <p:cNvPr id="8" name="TextBox 7"/>
+          <p:cNvSpPr txBox="1"/>
+          <p:nvPr/>
+        </p:nvSpPr>
+        <p:spPr>
+          <a:xfrm>
+            <a:off x="7077644" y="362203"/>
+            <a:ext cx="1380556" cy="523220"/>
+          </a:xfrm>
+          <a:prstGeom prst="rect">
+            <a:avLst/>
+          </a:prstGeom>
+          <a:noFill/>
+          <a:ln>
+            <a:solidFill>
+              <a:schemeClr val="bg1"/>
+            </a:solidFill>
+          </a:ln>
+        </p:spPr>
+        <p:txBody>
+          <a:bodyPr wrap="square" rtlCol="0">
+            <a:spAutoFit/>
+          </a:bodyPr>
+          <a:lstStyle/>
+          <a:p>
+            <a:r>
+              <a:rPr lang="en-US" sz="2800" dirty="0" smtClean="0"/>
+              <a:t>Group 7</a:t>
+            </a:r>
+            <a:endParaRPr lang="en-US" sz="2800" dirty="0"/>
+          </a:p>
+        </p:txBody>
+      </p:sp>
+    </p:spTree>
+    <p:extLst>
+      <p:ext uri="{BB962C8B-B14F-4D97-AF65-F5344CB8AC3E}">
+        <p14:creationId xmlns:p14="http://schemas.microsoft.com/office/powerpoint/2010/main" val="3857226084"/>
+      </p:ext>
+    </p:extLst>
+  </p:cSld>
+  <p:clrMapOvr>
+    <a:masterClrMapping/>
+  </p:clrMapOvr>
+</p:sld>
+</file>
+
+<file path=ppt/slides/slide15.xml><?xml version="1.0" encoding="utf-8"?>
+<p:sld xmlns:a="http://schemas.openxmlformats.org/drawingml/2006/main" xmlns:r="http://schemas.openxmlformats.org/officeDocument/2006/relationships" xmlns:p="http://schemas.openxmlformats.org/presentationml/2006/main">
+  <p:cSld>
+    <p:spTree>
+      <p:nvGrpSpPr>
+        <p:cNvPr id="1" name=""/>
+        <p:cNvGrpSpPr/>
+        <p:nvPr/>
+      </p:nvGrpSpPr>
+      <p:grpSpPr>
+        <a:xfrm>
+          <a:off x="0" y="0"/>
+          <a:ext cx="0" cy="0"/>
+          <a:chOff x="0" y="0"/>
+          <a:chExt cx="0" cy="0"/>
+        </a:xfrm>
+      </p:grpSpPr>
+      <p:sp>
+        <p:nvSpPr>
+          <p:cNvPr id="2" name="Title 1"/>
+          <p:cNvSpPr>
+            <a:spLocks noGrp="1"/>
+          </p:cNvSpPr>
+          <p:nvPr>
+            <p:ph type="title"/>
+          </p:nvPr>
+        </p:nvSpPr>
+        <p:spPr/>
+        <p:txBody>
+          <a:bodyPr/>
+          <a:lstStyle/>
+          <a:p>
+            <a:pPr algn="ctr"/>
+            <a:r>
+              <a:rPr lang="en-US" dirty="0" smtClean="0"/>
+              <a:t>Thanks!</a:t>
+            </a:r>
+            <a:endParaRPr lang="en-US" dirty="0"/>
+          </a:p>
+        </p:txBody>
+      </p:sp>
+      <p:sp>
+        <p:nvSpPr>
+          <p:cNvPr id="3" name="Text Placeholder 2"/>
+          <p:cNvSpPr>
+            <a:spLocks noGrp="1"/>
+          </p:cNvSpPr>
+          <p:nvPr>
+            <p:ph type="body" idx="1"/>
+          </p:nvPr>
+        </p:nvSpPr>
+        <p:spPr/>
+        <p:txBody>
+          <a:bodyPr/>
+          <a:lstStyle/>
+          <a:p>
+            <a:endParaRPr lang="en-US"/>
+          </a:p>
+        </p:txBody>
+      </p:sp>
+    </p:spTree>
+    <p:extLst>
+      <p:ext uri="{BB962C8B-B14F-4D97-AF65-F5344CB8AC3E}">
+        <p14:creationId xmlns:p14="http://schemas.microsoft.com/office/powerpoint/2010/main" val="1062480357"/>
+      </p:ext>
+    </p:extLst>
+  </p:cSld>
+  <p:clrMapOvr>
+    <a:masterClrMapping/>
+  </p:clrMapOvr>
+</p:sld>
+</file>
+
 <file path=ppt/slides/slide2.xml><?xml version="1.0" encoding="utf-8"?>
 <p:sld xmlns:a="http://schemas.openxmlformats.org/drawingml/2006/main" xmlns:r="http://schemas.openxmlformats.org/officeDocument/2006/relationships" xmlns:p="http://schemas.openxmlformats.org/presentationml/2006/main">
   <p:cSld>
@@ -4405,56 +4507,493 @@
           <a:lstStyle/>
           <a:p>
             <a:r>
+              <a:rPr lang="en-US" dirty="0" err="1" smtClean="0"/>
+              <a:t>EtherLend</a:t>
+            </a:r>
+            <a:r>
               <a:rPr lang="en-US" dirty="0" smtClean="0"/>
-              <a:t>Framework of our </a:t>
-            </a:r>
-            <a:r>
-              <a:rPr lang="en-US" b="1" cap="all" dirty="0" smtClean="0"/>
-              <a:t>ÐAPP</a:t>
-            </a:r>
-            <a:endParaRPr lang="en-US" b="1" dirty="0"/>
-          </a:p>
-        </p:txBody>
-      </p:sp>
-      <p:pic>
-        <p:nvPicPr>
-          <p:cNvPr id="5" name="Content Placeholder 4"/>
-          <p:cNvPicPr>
-            <a:picLocks noGrp="1" noChangeAspect="1"/>
-          </p:cNvPicPr>
+              <a:t> Ledger</a:t>
+            </a:r>
+            <a:endParaRPr lang="en-US" dirty="0"/>
+          </a:p>
+        </p:txBody>
+      </p:sp>
+      <p:graphicFrame>
+        <p:nvGraphicFramePr>
+          <p:cNvPr id="4" name="Content Placeholder 3"/>
+          <p:cNvGraphicFramePr>
+            <a:graphicFrameLocks noGrp="1"/>
+          </p:cNvGraphicFramePr>
           <p:nvPr>
             <p:ph idx="1"/>
-          </p:nvPr>
-        </p:nvPicPr>
-        <p:blipFill>
-          <a:blip r:embed="rId2">
-            <a:extLst>
-              <a:ext uri="{28A0092B-C50C-407E-A947-70E740481C1C}">
-                <a14:useLocalDpi xmlns:a14="http://schemas.microsoft.com/office/drawing/2010/main" val="0"/>
-              </a:ext>
-            </a:extLst>
-          </a:blip>
-          <a:stretch>
-            <a:fillRect/>
-          </a:stretch>
-        </p:blipFill>
-        <p:spPr>
-          <a:xfrm>
-            <a:off x="2320424" y="1690688"/>
-            <a:ext cx="7551152" cy="4241405"/>
-          </a:xfrm>
-        </p:spPr>
-      </p:pic>
+            <p:extLst>
+              <p:ext uri="{D42A27DB-BD31-4B8C-83A1-F6EECF244321}">
+                <p14:modId xmlns:p14="http://schemas.microsoft.com/office/powerpoint/2010/main" val="216382087"/>
+              </p:ext>
+            </p:extLst>
+          </p:nvPr>
+        </p:nvGraphicFramePr>
+        <p:xfrm>
+          <a:off x="628650" y="2374323"/>
+          <a:ext cx="7886700" cy="2847110"/>
+        </p:xfrm>
+        <a:graphic>
+          <a:graphicData uri="http://schemas.openxmlformats.org/drawingml/2006/table">
+            <a:tbl>
+              <a:tblPr firstRow="1" bandRow="1">
+                <a:tableStyleId>{5C22544A-7EE6-4342-B048-85BDC9FD1C3A}</a:tableStyleId>
+              </a:tblPr>
+              <a:tblGrid>
+                <a:gridCol w="1577340">
+                  <a:extLst>
+                    <a:ext uri="{9D8B030D-6E8A-4147-A177-3AD203B41FA5}">
+                      <a16:colId xmlns:a16="http://schemas.microsoft.com/office/drawing/2014/main" val="1205294342"/>
+                    </a:ext>
+                  </a:extLst>
+                </a:gridCol>
+                <a:gridCol w="1577340">
+                  <a:extLst>
+                    <a:ext uri="{9D8B030D-6E8A-4147-A177-3AD203B41FA5}">
+                      <a16:colId xmlns:a16="http://schemas.microsoft.com/office/drawing/2014/main" val="1967479225"/>
+                    </a:ext>
+                  </a:extLst>
+                </a:gridCol>
+                <a:gridCol w="1577340">
+                  <a:extLst>
+                    <a:ext uri="{9D8B030D-6E8A-4147-A177-3AD203B41FA5}">
+                      <a16:colId xmlns:a16="http://schemas.microsoft.com/office/drawing/2014/main" val="2489586927"/>
+                    </a:ext>
+                  </a:extLst>
+                </a:gridCol>
+                <a:gridCol w="1577340">
+                  <a:extLst>
+                    <a:ext uri="{9D8B030D-6E8A-4147-A177-3AD203B41FA5}">
+                      <a16:colId xmlns:a16="http://schemas.microsoft.com/office/drawing/2014/main" val="3017128060"/>
+                    </a:ext>
+                  </a:extLst>
+                </a:gridCol>
+                <a:gridCol w="1577340">
+                  <a:extLst>
+                    <a:ext uri="{9D8B030D-6E8A-4147-A177-3AD203B41FA5}">
+                      <a16:colId xmlns:a16="http://schemas.microsoft.com/office/drawing/2014/main" val="3988635764"/>
+                    </a:ext>
+                  </a:extLst>
+                </a:gridCol>
+              </a:tblGrid>
+              <a:tr h="569422">
+                <a:tc>
+                  <a:txBody>
+                    <a:bodyPr/>
+                    <a:lstStyle/>
+                    <a:p>
+                      <a:endParaRPr lang="en-US" sz="1400" dirty="0"/>
+                    </a:p>
+                  </a:txBody>
+                  <a:tcPr marL="68580" marR="68580" marT="34290" marB="34290"/>
+                </a:tc>
+                <a:tc>
+                  <a:txBody>
+                    <a:bodyPr/>
+                    <a:lstStyle/>
+                    <a:p>
+                      <a:r>
+                        <a:rPr lang="en-US" sz="1400" dirty="0" smtClean="0"/>
+                        <a:t>Alice</a:t>
+                      </a:r>
+                      <a:endParaRPr lang="en-US" sz="1400" dirty="0"/>
+                    </a:p>
+                  </a:txBody>
+                  <a:tcPr marL="68580" marR="68580" marT="34290" marB="34290"/>
+                </a:tc>
+                <a:tc>
+                  <a:txBody>
+                    <a:bodyPr/>
+                    <a:lstStyle/>
+                    <a:p>
+                      <a:r>
+                        <a:rPr lang="en-US" sz="1400" dirty="0" smtClean="0"/>
+                        <a:t>Bob</a:t>
+                      </a:r>
+                      <a:endParaRPr lang="en-US" sz="1400" dirty="0"/>
+                    </a:p>
+                  </a:txBody>
+                  <a:tcPr marL="68580" marR="68580" marT="34290" marB="34290"/>
+                </a:tc>
+                <a:tc>
+                  <a:txBody>
+                    <a:bodyPr/>
+                    <a:lstStyle/>
+                    <a:p>
+                      <a:r>
+                        <a:rPr lang="en-US" sz="1400" dirty="0" smtClean="0"/>
+                        <a:t>Charlie</a:t>
+                      </a:r>
+                      <a:endParaRPr lang="en-US" sz="1400" dirty="0"/>
+                    </a:p>
+                  </a:txBody>
+                  <a:tcPr marL="68580" marR="68580" marT="34290" marB="34290"/>
+                </a:tc>
+                <a:tc>
+                  <a:txBody>
+                    <a:bodyPr/>
+                    <a:lstStyle/>
+                    <a:p>
+                      <a:r>
+                        <a:rPr lang="en-US" sz="1400" dirty="0" smtClean="0"/>
+                        <a:t>Sum</a:t>
+                      </a:r>
+                      <a:endParaRPr lang="en-US" sz="1400" dirty="0"/>
+                    </a:p>
+                  </a:txBody>
+                  <a:tcPr marL="68580" marR="68580" marT="34290" marB="34290"/>
+                </a:tc>
+                <a:extLst>
+                  <a:ext uri="{0D108BD9-81ED-4DB2-BD59-A6C34878D82A}">
+                    <a16:rowId xmlns:a16="http://schemas.microsoft.com/office/drawing/2014/main" val="3998582811"/>
+                  </a:ext>
+                </a:extLst>
+              </a:tr>
+              <a:tr h="569422">
+                <a:tc>
+                  <a:txBody>
+                    <a:bodyPr/>
+                    <a:lstStyle/>
+                    <a:p>
+                      <a:r>
+                        <a:rPr lang="en-US" sz="1400" dirty="0" smtClean="0"/>
+                        <a:t>Month 1</a:t>
+                      </a:r>
+                      <a:endParaRPr lang="en-US" sz="1400" dirty="0"/>
+                    </a:p>
+                  </a:txBody>
+                  <a:tcPr marL="68580" marR="68580" marT="34290" marB="34290"/>
+                </a:tc>
+                <a:tc>
+                  <a:txBody>
+                    <a:bodyPr/>
+                    <a:lstStyle/>
+                    <a:p>
+                      <a:r>
+                        <a:rPr lang="en-US" sz="1400" b="1" dirty="0" smtClean="0"/>
+                        <a:t>+16 (13)</a:t>
+                      </a:r>
+                      <a:endParaRPr lang="en-US" sz="1400" b="1" dirty="0"/>
+                    </a:p>
+                  </a:txBody>
+                  <a:tcPr marL="68580" marR="68580" marT="34290" marB="34290"/>
+                </a:tc>
+                <a:tc>
+                  <a:txBody>
+                    <a:bodyPr/>
+                    <a:lstStyle/>
+                    <a:p>
+                      <a:r>
+                        <a:rPr lang="en-US" sz="1400" dirty="0" smtClean="0"/>
+                        <a:t>-8 (12)</a:t>
+                      </a:r>
+                      <a:endParaRPr lang="en-US" sz="1400" dirty="0"/>
+                    </a:p>
+                  </a:txBody>
+                  <a:tcPr marL="68580" marR="68580" marT="34290" marB="34290"/>
+                </a:tc>
+                <a:tc>
+                  <a:txBody>
+                    <a:bodyPr/>
+                    <a:lstStyle/>
+                    <a:p>
+                      <a:r>
+                        <a:rPr lang="en-US" sz="1400" dirty="0" smtClean="0"/>
+                        <a:t>-8 (11)</a:t>
+                      </a:r>
+                      <a:endParaRPr lang="en-US" sz="1400" dirty="0"/>
+                    </a:p>
+                  </a:txBody>
+                  <a:tcPr marL="68580" marR="68580" marT="34290" marB="34290"/>
+                </a:tc>
+                <a:tc>
+                  <a:txBody>
+                    <a:bodyPr/>
+                    <a:lstStyle/>
+                    <a:p>
+                      <a:r>
+                        <a:rPr lang="en-US" sz="1400" dirty="0" smtClean="0"/>
+                        <a:t>0</a:t>
+                      </a:r>
+                      <a:endParaRPr lang="en-US" sz="1400" dirty="0"/>
+                    </a:p>
+                  </a:txBody>
+                  <a:tcPr marL="68580" marR="68580" marT="34290" marB="34290"/>
+                </a:tc>
+                <a:extLst>
+                  <a:ext uri="{0D108BD9-81ED-4DB2-BD59-A6C34878D82A}">
+                    <a16:rowId xmlns:a16="http://schemas.microsoft.com/office/drawing/2014/main" val="2694499608"/>
+                  </a:ext>
+                </a:extLst>
+              </a:tr>
+              <a:tr h="569422">
+                <a:tc>
+                  <a:txBody>
+                    <a:bodyPr/>
+                    <a:lstStyle/>
+                    <a:p>
+                      <a:r>
+                        <a:rPr lang="en-US" sz="1400" dirty="0" smtClean="0"/>
+                        <a:t>Month 2</a:t>
+                      </a:r>
+                      <a:endParaRPr lang="en-US" sz="1400" dirty="0"/>
+                    </a:p>
+                  </a:txBody>
+                  <a:tcPr marL="68580" marR="68580" marT="34290" marB="34290"/>
+                </a:tc>
+                <a:tc>
+                  <a:txBody>
+                    <a:bodyPr/>
+                    <a:lstStyle/>
+                    <a:p>
+                      <a:r>
+                        <a:rPr lang="en-US" sz="1400" dirty="0" smtClean="0"/>
+                        <a:t>-</a:t>
+                      </a:r>
+                      <a:r>
+                        <a:rPr lang="en-US" sz="1400" dirty="0" smtClean="0"/>
+                        <a:t>10</a:t>
+                      </a:r>
+                      <a:endParaRPr lang="en-US" sz="1400" dirty="0"/>
+                    </a:p>
+                  </a:txBody>
+                  <a:tcPr marL="68580" marR="68580" marT="34290" marB="34290"/>
+                </a:tc>
+                <a:tc>
+                  <a:txBody>
+                    <a:bodyPr/>
+                    <a:lstStyle/>
+                    <a:p>
+                      <a:r>
+                        <a:rPr lang="en-US" sz="1400" b="1" dirty="0" smtClean="0"/>
+                        <a:t>+19 (12)</a:t>
+                      </a:r>
+                      <a:endParaRPr lang="en-US" sz="1400" b="1" dirty="0"/>
+                    </a:p>
+                  </a:txBody>
+                  <a:tcPr marL="68580" marR="68580" marT="34290" marB="34290"/>
+                </a:tc>
+                <a:tc>
+                  <a:txBody>
+                    <a:bodyPr/>
+                    <a:lstStyle/>
+                    <a:p>
+                      <a:r>
+                        <a:rPr lang="en-US" sz="1400" dirty="0" smtClean="0"/>
+                        <a:t>-9 (11)</a:t>
+                      </a:r>
+                      <a:endParaRPr lang="en-US" sz="1400" dirty="0"/>
+                    </a:p>
+                  </a:txBody>
+                  <a:tcPr marL="68580" marR="68580" marT="34290" marB="34290"/>
+                </a:tc>
+                <a:tc>
+                  <a:txBody>
+                    <a:bodyPr/>
+                    <a:lstStyle/>
+                    <a:p>
+                      <a:r>
+                        <a:rPr lang="en-US" sz="1400" dirty="0" smtClean="0"/>
+                        <a:t>0</a:t>
+                      </a:r>
+                      <a:endParaRPr lang="en-US" sz="1400" dirty="0"/>
+                    </a:p>
+                  </a:txBody>
+                  <a:tcPr marL="68580" marR="68580" marT="34290" marB="34290"/>
+                </a:tc>
+                <a:extLst>
+                  <a:ext uri="{0D108BD9-81ED-4DB2-BD59-A6C34878D82A}">
+                    <a16:rowId xmlns:a16="http://schemas.microsoft.com/office/drawing/2014/main" val="1987319501"/>
+                  </a:ext>
+                </a:extLst>
+              </a:tr>
+              <a:tr h="569422">
+                <a:tc>
+                  <a:txBody>
+                    <a:bodyPr/>
+                    <a:lstStyle/>
+                    <a:p>
+                      <a:r>
+                        <a:rPr lang="en-US" sz="1400" dirty="0" smtClean="0"/>
+                        <a:t>Month 3</a:t>
+                      </a:r>
+                      <a:endParaRPr lang="en-US" sz="1400" dirty="0"/>
+                    </a:p>
+                  </a:txBody>
+                  <a:tcPr marL="68580" marR="68580" marT="34290" marB="34290"/>
+                </a:tc>
+                <a:tc>
+                  <a:txBody>
+                    <a:bodyPr/>
+                    <a:lstStyle/>
+                    <a:p>
+                      <a:r>
+                        <a:rPr lang="en-US" sz="1400" dirty="0" smtClean="0"/>
+                        <a:t>-</a:t>
+                      </a:r>
+                      <a:r>
+                        <a:rPr lang="en-US" sz="1400" dirty="0" smtClean="0"/>
+                        <a:t>10</a:t>
+                      </a:r>
+                      <a:endParaRPr lang="en-US" sz="1400" dirty="0"/>
+                    </a:p>
+                  </a:txBody>
+                  <a:tcPr marL="68580" marR="68580" marT="34290" marB="34290"/>
+                </a:tc>
+                <a:tc>
+                  <a:txBody>
+                    <a:bodyPr/>
+                    <a:lstStyle/>
+                    <a:p>
+                      <a:r>
+                        <a:rPr lang="en-US" sz="1400" dirty="0" smtClean="0"/>
+                        <a:t>-10 </a:t>
+                      </a:r>
+                      <a:endParaRPr lang="en-US" sz="1400" dirty="0"/>
+                    </a:p>
+                  </a:txBody>
+                  <a:tcPr marL="68580" marR="68580" marT="34290" marB="34290"/>
+                </a:tc>
+                <a:tc>
+                  <a:txBody>
+                    <a:bodyPr/>
+                    <a:lstStyle/>
+                    <a:p>
+                      <a:r>
+                        <a:rPr lang="en-US" sz="1400" b="1" smtClean="0"/>
+                        <a:t>+</a:t>
+                      </a:r>
+                      <a:r>
+                        <a:rPr lang="en-US" sz="1400" b="1" smtClean="0"/>
+                        <a:t>20</a:t>
+                      </a:r>
+                      <a:endParaRPr lang="en-US" sz="1400" b="1" dirty="0"/>
+                    </a:p>
+                  </a:txBody>
+                  <a:tcPr marL="68580" marR="68580" marT="34290" marB="34290"/>
+                </a:tc>
+                <a:tc>
+                  <a:txBody>
+                    <a:bodyPr/>
+                    <a:lstStyle/>
+                    <a:p>
+                      <a:r>
+                        <a:rPr lang="en-US" sz="1400" dirty="0" smtClean="0"/>
+                        <a:t>0</a:t>
+                      </a:r>
+                      <a:endParaRPr lang="en-US" sz="1400" dirty="0"/>
+                    </a:p>
+                  </a:txBody>
+                  <a:tcPr marL="68580" marR="68580" marT="34290" marB="34290"/>
+                </a:tc>
+                <a:extLst>
+                  <a:ext uri="{0D108BD9-81ED-4DB2-BD59-A6C34878D82A}">
+                    <a16:rowId xmlns:a16="http://schemas.microsoft.com/office/drawing/2014/main" val="2873965669"/>
+                  </a:ext>
+                </a:extLst>
+              </a:tr>
+              <a:tr h="569422">
+                <a:tc>
+                  <a:txBody>
+                    <a:bodyPr/>
+                    <a:lstStyle/>
+                    <a:p>
+                      <a:r>
+                        <a:rPr lang="en-US" sz="1400" dirty="0" smtClean="0"/>
+                        <a:t>Sum</a:t>
+                      </a:r>
+                      <a:endParaRPr lang="en-US" sz="1400" dirty="0"/>
+                    </a:p>
+                  </a:txBody>
+                  <a:tcPr marL="68580" marR="68580" marT="34290" marB="34290"/>
+                </a:tc>
+                <a:tc>
+                  <a:txBody>
+                    <a:bodyPr/>
+                    <a:lstStyle/>
+                    <a:p>
+                      <a:r>
+                        <a:rPr lang="en-US" sz="1400" dirty="0" smtClean="0"/>
+                        <a:t>-4</a:t>
+                      </a:r>
+                      <a:endParaRPr lang="en-US" sz="1400" dirty="0"/>
+                    </a:p>
+                  </a:txBody>
+                  <a:tcPr marL="68580" marR="68580" marT="34290" marB="34290"/>
+                </a:tc>
+                <a:tc>
+                  <a:txBody>
+                    <a:bodyPr/>
+                    <a:lstStyle/>
+                    <a:p>
+                      <a:r>
+                        <a:rPr lang="en-US" sz="1400" dirty="0" smtClean="0"/>
+                        <a:t>+1</a:t>
+                      </a:r>
+                      <a:endParaRPr lang="en-US" sz="1400" dirty="0"/>
+                    </a:p>
+                  </a:txBody>
+                  <a:tcPr marL="68580" marR="68580" marT="34290" marB="34290"/>
+                </a:tc>
+                <a:tc>
+                  <a:txBody>
+                    <a:bodyPr/>
+                    <a:lstStyle/>
+                    <a:p>
+                      <a:r>
+                        <a:rPr lang="en-US" sz="1400" dirty="0" smtClean="0"/>
+                        <a:t>+3</a:t>
+                      </a:r>
+                      <a:endParaRPr lang="en-US" sz="1400" dirty="0"/>
+                    </a:p>
+                  </a:txBody>
+                  <a:tcPr marL="68580" marR="68580" marT="34290" marB="34290"/>
+                </a:tc>
+                <a:tc>
+                  <a:txBody>
+                    <a:bodyPr/>
+                    <a:lstStyle/>
+                    <a:p>
+                      <a:r>
+                        <a:rPr lang="en-US" sz="1400" dirty="0" smtClean="0"/>
+                        <a:t>0</a:t>
+                      </a:r>
+                      <a:endParaRPr lang="en-US" sz="1400" dirty="0"/>
+                    </a:p>
+                  </a:txBody>
+                  <a:tcPr marL="68580" marR="68580" marT="34290" marB="34290"/>
+                </a:tc>
+                <a:extLst>
+                  <a:ext uri="{0D108BD9-81ED-4DB2-BD59-A6C34878D82A}">
+                    <a16:rowId xmlns:a16="http://schemas.microsoft.com/office/drawing/2014/main" val="2246782234"/>
+                  </a:ext>
+                </a:extLst>
+              </a:tr>
+            </a:tbl>
+          </a:graphicData>
+        </a:graphic>
+      </p:graphicFrame>
     </p:spTree>
     <p:extLst>
       <p:ext uri="{BB962C8B-B14F-4D97-AF65-F5344CB8AC3E}">
-        <p14:creationId xmlns:p14="http://schemas.microsoft.com/office/powerpoint/2010/main" val="3147391333"/>
+        <p14:creationId xmlns:p14="http://schemas.microsoft.com/office/powerpoint/2010/main" val="1993186013"/>
       </p:ext>
     </p:extLst>
   </p:cSld>
   <p:clrMapOvr>
     <a:masterClrMapping/>
   </p:clrMapOvr>
+  <p:timing>
+    <p:tnLst>
+      <p:par>
+        <p:cTn id="1" dur="indefinite" restart="never" nodeType="tmRoot"/>
+      </p:par>
+    </p:tnLst>
+  </p:timing>
 </p:sld>
 </file>
 
@@ -4491,76 +5030,63 @@
           <a:lstStyle/>
           <a:p>
             <a:r>
-              <a:rPr lang="en-US" dirty="0" err="1" smtClean="0"/>
-              <a:t>Testrpc</a:t>
-            </a:r>
-            <a:endParaRPr lang="en-US" dirty="0"/>
-          </a:p>
-        </p:txBody>
-      </p:sp>
-      <p:sp>
-        <p:nvSpPr>
-          <p:cNvPr id="3" name="Content Placeholder 2"/>
-          <p:cNvSpPr>
-            <a:spLocks noGrp="1"/>
-          </p:cNvSpPr>
+              <a:rPr lang="en-US" dirty="0" smtClean="0"/>
+              <a:t>Framework of our </a:t>
+            </a:r>
+            <a:r>
+              <a:rPr lang="en-US" b="1" cap="all" dirty="0" smtClean="0"/>
+              <a:t>ÐAPP</a:t>
+            </a:r>
+            <a:endParaRPr lang="en-US" b="1" dirty="0"/>
+          </a:p>
+        </p:txBody>
+      </p:sp>
+      <p:pic>
+        <p:nvPicPr>
+          <p:cNvPr id="5" name="Content Placeholder 4"/>
+          <p:cNvPicPr>
+            <a:picLocks noGrp="1" noChangeAspect="1"/>
+          </p:cNvPicPr>
           <p:nvPr>
             <p:ph idx="1"/>
           </p:nvPr>
-        </p:nvSpPr>
-        <p:spPr/>
-        <p:txBody>
-          <a:bodyPr/>
-          <a:lstStyle/>
-          <a:p>
-            <a:r>
-              <a:rPr lang="en-US" dirty="0" err="1" smtClean="0"/>
-              <a:t>Ethereum</a:t>
-            </a:r>
-            <a:r>
-              <a:rPr lang="en-US" dirty="0" smtClean="0"/>
-              <a:t> client for developer</a:t>
-            </a:r>
-          </a:p>
-          <a:p>
-            <a:r>
-              <a:rPr lang="en-US" dirty="0" smtClean="0"/>
-              <a:t>No need to spend real Ether</a:t>
-            </a:r>
-          </a:p>
-          <a:p>
-            <a:r>
-              <a:rPr lang="en-US" dirty="0" smtClean="0"/>
-              <a:t>No need to wait for blocks to be mined</a:t>
-            </a:r>
-          </a:p>
-          <a:p>
-            <a:r>
-              <a:rPr lang="en-US" dirty="0" smtClean="0"/>
-              <a:t>Store all the transactions and events</a:t>
-            </a:r>
-          </a:p>
-          <a:p>
-            <a:r>
-              <a:rPr lang="en-US" dirty="0" smtClean="0"/>
-              <a:t>Nothing will be changed or lost</a:t>
-            </a:r>
-          </a:p>
-          <a:p>
-            <a:endParaRPr lang="en-US" dirty="0"/>
-          </a:p>
-        </p:txBody>
-      </p:sp>
+        </p:nvPicPr>
+        <p:blipFill>
+          <a:blip r:embed="rId2">
+            <a:extLst>
+              <a:ext uri="{28A0092B-C50C-407E-A947-70E740481C1C}">
+                <a14:useLocalDpi xmlns:a14="http://schemas.microsoft.com/office/drawing/2010/main" val="0"/>
+              </a:ext>
+            </a:extLst>
+          </a:blip>
+          <a:stretch>
+            <a:fillRect/>
+          </a:stretch>
+        </p:blipFill>
+        <p:spPr>
+          <a:xfrm>
+            <a:off x="618047" y="1690689"/>
+            <a:ext cx="7907905" cy="4441790"/>
+          </a:xfrm>
+        </p:spPr>
+      </p:pic>
     </p:spTree>
     <p:extLst>
       <p:ext uri="{BB962C8B-B14F-4D97-AF65-F5344CB8AC3E}">
-        <p14:creationId xmlns:p14="http://schemas.microsoft.com/office/powerpoint/2010/main" val="2787860951"/>
+        <p14:creationId xmlns:p14="http://schemas.microsoft.com/office/powerpoint/2010/main" val="3147391333"/>
       </p:ext>
     </p:extLst>
   </p:cSld>
   <p:clrMapOvr>
     <a:masterClrMapping/>
   </p:clrMapOvr>
+  <p:timing>
+    <p:tnLst>
+      <p:par>
+        <p:cTn id="1" dur="indefinite" restart="never" nodeType="tmRoot"/>
+      </p:par>
+    </p:tnLst>
+  </p:timing>
 </p:sld>
 </file>
 
@@ -4597,77 +5123,130 @@
           <a:lstStyle/>
           <a:p>
             <a:r>
+              <a:rPr lang="en-US" dirty="0" err="1" smtClean="0"/>
+              <a:t>Testrpc</a:t>
+            </a:r>
+            <a:endParaRPr lang="en-US" dirty="0"/>
+          </a:p>
+        </p:txBody>
+      </p:sp>
+      <p:sp>
+        <p:nvSpPr>
+          <p:cNvPr id="3" name="Content Placeholder 2"/>
+          <p:cNvSpPr>
+            <a:spLocks noGrp="1"/>
+          </p:cNvSpPr>
+          <p:nvPr>
+            <p:ph idx="1"/>
+          </p:nvPr>
+        </p:nvSpPr>
+        <p:spPr/>
+        <p:txBody>
+          <a:bodyPr/>
+          <a:lstStyle/>
+          <a:p>
+            <a:r>
+              <a:rPr lang="en-US" dirty="0" err="1" smtClean="0"/>
+              <a:t>Ethereum</a:t>
+            </a:r>
+            <a:r>
               <a:rPr lang="en-US" dirty="0" smtClean="0"/>
-              <a:t>Truffle</a:t>
-            </a:r>
+              <a:t> client for developer</a:t>
+            </a:r>
+          </a:p>
+          <a:p>
+            <a:r>
+              <a:rPr lang="en-US" dirty="0" smtClean="0"/>
+              <a:t>No need to spend real Ether</a:t>
+            </a:r>
+          </a:p>
+          <a:p>
+            <a:r>
+              <a:rPr lang="en-US" dirty="0" smtClean="0"/>
+              <a:t>No need to wait for blocks to be mined</a:t>
+            </a:r>
+          </a:p>
+          <a:p>
+            <a:r>
+              <a:rPr lang="en-US" dirty="0" smtClean="0"/>
+              <a:t>Store all the transactions and events</a:t>
+            </a:r>
+          </a:p>
+          <a:p>
+            <a:r>
+              <a:rPr lang="en-US" dirty="0" smtClean="0"/>
+              <a:t>Nothing will be changed or lost</a:t>
+            </a:r>
+          </a:p>
+          <a:p>
             <a:endParaRPr lang="en-US" dirty="0"/>
           </a:p>
         </p:txBody>
       </p:sp>
-      <p:sp>
-        <p:nvSpPr>
-          <p:cNvPr id="3" name="Content Placeholder 2"/>
-          <p:cNvSpPr>
-            <a:spLocks noGrp="1"/>
-          </p:cNvSpPr>
-          <p:nvPr>
-            <p:ph idx="1"/>
-          </p:nvPr>
-        </p:nvSpPr>
-        <p:spPr/>
-        <p:txBody>
-          <a:bodyPr/>
-          <a:lstStyle/>
-          <a:p>
-            <a:r>
-              <a:rPr lang="en-US" dirty="0" smtClean="0"/>
-              <a:t>Write contract</a:t>
-            </a:r>
-          </a:p>
-          <a:p>
-            <a:r>
-              <a:rPr lang="en-US" dirty="0" smtClean="0"/>
-              <a:t>Compile contract</a:t>
-            </a:r>
-          </a:p>
-          <a:p>
-            <a:r>
-              <a:rPr lang="en-US" dirty="0" smtClean="0"/>
-              <a:t>Deploy contract to </a:t>
-            </a:r>
-            <a:r>
-              <a:rPr lang="en-US" dirty="0" err="1" smtClean="0"/>
-              <a:t>BlockChain</a:t>
-            </a:r>
-            <a:endParaRPr lang="en-US" dirty="0" smtClean="0"/>
-          </a:p>
-          <a:p>
-            <a:r>
-              <a:rPr lang="en-US" dirty="0" smtClean="0"/>
-              <a:t>Generate </a:t>
-            </a:r>
-            <a:r>
-              <a:rPr lang="en-US" dirty="0" err="1" smtClean="0"/>
-              <a:t>js</a:t>
-            </a:r>
-            <a:r>
-              <a:rPr lang="en-US" dirty="0" smtClean="0"/>
-              <a:t> files for contracts</a:t>
-            </a:r>
-          </a:p>
-          <a:p>
-            <a:r>
-              <a:rPr lang="en-US" dirty="0" smtClean="0"/>
-              <a:t>Interact with contract using web3</a:t>
-            </a:r>
-            <a:endParaRPr lang="en-US" dirty="0"/>
-          </a:p>
-        </p:txBody>
-      </p:sp>
+      <p:pic>
+        <p:nvPicPr>
+          <p:cNvPr id="4" name="Picture 3"/>
+          <p:cNvPicPr>
+            <a:picLocks noChangeAspect="1"/>
+          </p:cNvPicPr>
+          <p:nvPr/>
+        </p:nvPicPr>
+        <p:blipFill>
+          <a:blip r:embed="rId2" cstate="print">
+            <a:extLst>
+              <a:ext uri="{28A0092B-C50C-407E-A947-70E740481C1C}">
+                <a14:useLocalDpi xmlns:a14="http://schemas.microsoft.com/office/drawing/2010/main" val="0"/>
+              </a:ext>
+            </a:extLst>
+          </a:blip>
+          <a:stretch>
+            <a:fillRect/>
+          </a:stretch>
+        </p:blipFill>
+        <p:spPr>
+          <a:xfrm>
+            <a:off x="5222296" y="4530435"/>
+            <a:ext cx="3293053" cy="1646527"/>
+          </a:xfrm>
+          <a:prstGeom prst="rect">
+            <a:avLst/>
+          </a:prstGeom>
+        </p:spPr>
+      </p:pic>
+      <p:pic>
+        <p:nvPicPr>
+          <p:cNvPr id="5" name="Picture 4"/>
+          <p:cNvPicPr>
+            <a:picLocks noChangeAspect="1"/>
+          </p:cNvPicPr>
+          <p:nvPr/>
+        </p:nvPicPr>
+        <p:blipFill>
+          <a:blip r:embed="rId3" cstate="print">
+            <a:extLst>
+              <a:ext uri="{28A0092B-C50C-407E-A947-70E740481C1C}">
+                <a14:useLocalDpi xmlns:a14="http://schemas.microsoft.com/office/drawing/2010/main" val="0"/>
+              </a:ext>
+            </a:extLst>
+          </a:blip>
+          <a:stretch>
+            <a:fillRect/>
+          </a:stretch>
+        </p:blipFill>
+        <p:spPr>
+          <a:xfrm>
+            <a:off x="1054244" y="4406336"/>
+            <a:ext cx="3742459" cy="1770626"/>
+          </a:xfrm>
+          <a:prstGeom prst="rect">
+            <a:avLst/>
+          </a:prstGeom>
+        </p:spPr>
+      </p:pic>
     </p:spTree>
     <p:extLst>
       <p:ext uri="{BB962C8B-B14F-4D97-AF65-F5344CB8AC3E}">
-        <p14:creationId xmlns:p14="http://schemas.microsoft.com/office/powerpoint/2010/main" val="3072067394"/>
+        <p14:creationId xmlns:p14="http://schemas.microsoft.com/office/powerpoint/2010/main" val="2787860951"/>
       </p:ext>
     </p:extLst>
   </p:cSld>
@@ -4711,7 +5290,7 @@
           <a:p>
             <a:r>
               <a:rPr lang="en-US" dirty="0" smtClean="0"/>
-              <a:t>Node.js</a:t>
+              <a:t>Truffle</a:t>
             </a:r>
             <a:endParaRPr lang="en-US" dirty="0"/>
           </a:p>
@@ -4734,70 +5313,83 @@
           <a:p>
             <a:r>
               <a:rPr lang="en-US" dirty="0" smtClean="0"/>
-              <a:t>Due to the lack of light client</a:t>
+              <a:t>Write contract</a:t>
             </a:r>
           </a:p>
           <a:p>
             <a:r>
               <a:rPr lang="en-US" dirty="0" smtClean="0"/>
-              <a:t>No Android interface for </a:t>
+              <a:t>Compile contract</a:t>
+            </a:r>
+          </a:p>
+          <a:p>
+            <a:r>
+              <a:rPr lang="en-US" dirty="0" smtClean="0"/>
+              <a:t>Deploy contract to </a:t>
             </a:r>
             <a:r>
               <a:rPr lang="en-US" dirty="0" err="1" smtClean="0"/>
-              <a:t>Ethereum</a:t>
+              <a:t>BlockChain</a:t>
             </a:r>
             <a:endParaRPr lang="en-US" dirty="0" smtClean="0"/>
           </a:p>
           <a:p>
             <a:r>
               <a:rPr lang="en-US" dirty="0" smtClean="0"/>
-              <a:t>Use a Node.js server to transmit </a:t>
+              <a:t>Generate </a:t>
             </a:r>
             <a:r>
               <a:rPr lang="en-US" dirty="0" err="1" smtClean="0"/>
-              <a:t>rpc</a:t>
+              <a:t>js</a:t>
             </a:r>
             <a:r>
               <a:rPr lang="en-US" dirty="0" smtClean="0"/>
-              <a:t> call</a:t>
-            </a:r>
-          </a:p>
-          <a:p>
-            <a:pPr lvl="1"/>
-            <a:r>
-              <a:rPr lang="en-US" sz="2800" dirty="0"/>
-              <a:t>Accept </a:t>
-            </a:r>
-            <a:r>
-              <a:rPr lang="en-US" altLang="zh-CN" sz="2800" dirty="0"/>
-              <a:t>GET request from Android Client with parameters</a:t>
-            </a:r>
-          </a:p>
-          <a:p>
-            <a:pPr lvl="1"/>
-            <a:r>
-              <a:rPr lang="en-US" sz="2800" dirty="0"/>
-              <a:t>Use web3 interface to interact with contracts on the chain</a:t>
-            </a:r>
-          </a:p>
-          <a:p>
-            <a:pPr lvl="1"/>
-            <a:r>
-              <a:rPr lang="en-US" sz="2800" dirty="0"/>
-              <a:t>Return the result as JSON </a:t>
-            </a:r>
-            <a:r>
-              <a:rPr lang="en-US" altLang="zh-CN" sz="2800" dirty="0"/>
-              <a:t>object to Android Client</a:t>
-            </a:r>
-            <a:endParaRPr lang="en-US" sz="2800" dirty="0"/>
-          </a:p>
-        </p:txBody>
-      </p:sp>
+              <a:t> files for contracts</a:t>
+            </a:r>
+          </a:p>
+          <a:p>
+            <a:r>
+              <a:rPr lang="en-US" dirty="0" smtClean="0"/>
+              <a:t>Interact with contract using web3</a:t>
+            </a:r>
+            <a:endParaRPr lang="en-US" dirty="0"/>
+          </a:p>
+        </p:txBody>
+      </p:sp>
+      <p:pic>
+        <p:nvPicPr>
+          <p:cNvPr id="4" name="Picture 3"/>
+          <p:cNvPicPr>
+            <a:picLocks noChangeAspect="1"/>
+          </p:cNvPicPr>
+          <p:nvPr/>
+        </p:nvPicPr>
+        <p:blipFill>
+          <a:blip r:embed="rId2" cstate="print">
+            <a:extLst>
+              <a:ext uri="{28A0092B-C50C-407E-A947-70E740481C1C}">
+                <a14:useLocalDpi xmlns:a14="http://schemas.microsoft.com/office/drawing/2010/main" val="0"/>
+              </a:ext>
+            </a:extLst>
+          </a:blip>
+          <a:stretch>
+            <a:fillRect/>
+          </a:stretch>
+        </p:blipFill>
+        <p:spPr>
+          <a:xfrm>
+            <a:off x="6289964" y="4001648"/>
+            <a:ext cx="2225386" cy="2175315"/>
+          </a:xfrm>
+          <a:prstGeom prst="rect">
+            <a:avLst/>
+          </a:prstGeom>
+        </p:spPr>
+      </p:pic>
     </p:spTree>
     <p:extLst>
       <p:ext uri="{BB962C8B-B14F-4D97-AF65-F5344CB8AC3E}">
-        <p14:creationId xmlns:p14="http://schemas.microsoft.com/office/powerpoint/2010/main" val="3826880815"/>
+        <p14:creationId xmlns:p14="http://schemas.microsoft.com/office/powerpoint/2010/main" val="3072067394"/>
       </p:ext>
     </p:extLst>
   </p:cSld>
@@ -4841,7 +5433,7 @@
           <a:p>
             <a:r>
               <a:rPr lang="en-US" dirty="0" smtClean="0"/>
-              <a:t>Android Client</a:t>
+              <a:t>Node.js</a:t>
             </a:r>
             <a:endParaRPr lang="en-US" dirty="0"/>
           </a:p>
@@ -4864,67 +5456,143 @@
           <a:p>
             <a:r>
               <a:rPr lang="en-US" dirty="0" smtClean="0"/>
-              <a:t>Check user accounts</a:t>
+              <a:t>Due to the lack of light client</a:t>
             </a:r>
           </a:p>
           <a:p>
             <a:r>
               <a:rPr lang="en-US" dirty="0" smtClean="0"/>
-              <a:t>Manager to apply meetings</a:t>
-            </a:r>
+              <a:t>No Android interface for </a:t>
+            </a:r>
+            <a:r>
+              <a:rPr lang="en-US" dirty="0" err="1" smtClean="0"/>
+              <a:t>Ethereum</a:t>
+            </a:r>
+            <a:endParaRPr lang="en-US" dirty="0" smtClean="0"/>
           </a:p>
           <a:p>
             <a:r>
               <a:rPr lang="en-US" dirty="0" smtClean="0"/>
-              <a:t>Members to Join and Manager to Accept</a:t>
-            </a:r>
-          </a:p>
-          <a:p>
+              <a:t>Use a Node.js server to transmit </a:t>
+            </a:r>
+            <a:r>
+              <a:rPr lang="en-US" dirty="0" err="1" smtClean="0"/>
+              <a:t>rpc</a:t>
+            </a:r>
             <a:r>
               <a:rPr lang="en-US" dirty="0" smtClean="0"/>
-              <a:t>Manager to Suggest and Members to Vote</a:t>
-            </a:r>
-          </a:p>
-          <a:p>
-            <a:r>
-              <a:rPr lang="en-US" dirty="0" smtClean="0"/>
-              <a:t>Members to Bid and </a:t>
-            </a:r>
-            <a:r>
-              <a:rPr lang="en-US" dirty="0"/>
-              <a:t>Reveal</a:t>
-            </a:r>
-          </a:p>
-          <a:p>
-            <a:r>
-              <a:rPr lang="en-US" dirty="0"/>
-              <a:t>Check </a:t>
-            </a:r>
-            <a:r>
-              <a:rPr lang="en-US" dirty="0" smtClean="0"/>
-              <a:t>meetings </a:t>
-            </a:r>
-            <a:r>
-              <a:rPr lang="en-US" dirty="0"/>
-              <a:t>states</a:t>
-            </a:r>
-            <a:endParaRPr lang="en-US" dirty="0" smtClean="0"/>
-          </a:p>
-          <a:p>
-            <a:endParaRPr lang="en-US" dirty="0"/>
-          </a:p>
-        </p:txBody>
-      </p:sp>
+              <a:t> call</a:t>
+            </a:r>
+          </a:p>
+          <a:p>
+            <a:pPr lvl="1"/>
+            <a:r>
+              <a:rPr lang="en-US" sz="2100" dirty="0"/>
+              <a:t>Accept </a:t>
+            </a:r>
+            <a:r>
+              <a:rPr lang="en-US" altLang="zh-CN" sz="2100" dirty="0"/>
+              <a:t>GET request from Android Client with parameters</a:t>
+            </a:r>
+          </a:p>
+          <a:p>
+            <a:pPr lvl="1"/>
+            <a:r>
+              <a:rPr lang="en-US" sz="2100" dirty="0"/>
+              <a:t>Use web3 interface to interact with contracts on the chain</a:t>
+            </a:r>
+          </a:p>
+          <a:p>
+            <a:pPr lvl="1"/>
+            <a:r>
+              <a:rPr lang="en-US" sz="2100" dirty="0"/>
+              <a:t>Return the result as JSON </a:t>
+            </a:r>
+            <a:r>
+              <a:rPr lang="en-US" altLang="zh-CN" sz="2100" dirty="0"/>
+              <a:t>object to Android Client</a:t>
+            </a:r>
+            <a:endParaRPr lang="en-US" sz="2100" dirty="0"/>
+          </a:p>
+        </p:txBody>
+      </p:sp>
+      <p:pic>
+        <p:nvPicPr>
+          <p:cNvPr id="5" name="Picture 4"/>
+          <p:cNvPicPr>
+            <a:picLocks noChangeAspect="1"/>
+          </p:cNvPicPr>
+          <p:nvPr/>
+        </p:nvPicPr>
+        <p:blipFill>
+          <a:blip r:embed="rId2">
+            <a:extLst>
+              <a:ext uri="{28A0092B-C50C-407E-A947-70E740481C1C}">
+                <a14:useLocalDpi xmlns:a14="http://schemas.microsoft.com/office/drawing/2010/main" val="0"/>
+              </a:ext>
+            </a:extLst>
+          </a:blip>
+          <a:stretch>
+            <a:fillRect/>
+          </a:stretch>
+        </p:blipFill>
+        <p:spPr>
+          <a:xfrm>
+            <a:off x="6076950" y="4348163"/>
+            <a:ext cx="2438400" cy="1828800"/>
+          </a:xfrm>
+          <a:prstGeom prst="rect">
+            <a:avLst/>
+          </a:prstGeom>
+        </p:spPr>
+      </p:pic>
+      <p:pic>
+        <p:nvPicPr>
+          <p:cNvPr id="6" name="Picture 5"/>
+          <p:cNvPicPr>
+            <a:picLocks noChangeAspect="1"/>
+          </p:cNvPicPr>
+          <p:nvPr/>
+        </p:nvPicPr>
+        <p:blipFill>
+          <a:blip r:embed="rId3">
+            <a:extLst>
+              <a:ext uri="{28A0092B-C50C-407E-A947-70E740481C1C}">
+                <a14:useLocalDpi xmlns:a14="http://schemas.microsoft.com/office/drawing/2010/main" val="0"/>
+              </a:ext>
+            </a:extLst>
+          </a:blip>
+          <a:stretch>
+            <a:fillRect/>
+          </a:stretch>
+        </p:blipFill>
+        <p:spPr>
+          <a:xfrm>
+            <a:off x="1842654" y="4786157"/>
+            <a:ext cx="3622098" cy="1390806"/>
+          </a:xfrm>
+          <a:prstGeom prst="rect">
+            <a:avLst/>
+          </a:prstGeom>
+        </p:spPr>
+      </p:pic>
     </p:spTree>
     <p:extLst>
       <p:ext uri="{BB962C8B-B14F-4D97-AF65-F5344CB8AC3E}">
-        <p14:creationId xmlns:p14="http://schemas.microsoft.com/office/powerpoint/2010/main" val="2211155313"/>
+        <p14:creationId xmlns:p14="http://schemas.microsoft.com/office/powerpoint/2010/main" val="3826880815"/>
       </p:ext>
     </p:extLst>
   </p:cSld>
   <p:clrMapOvr>
     <a:masterClrMapping/>
   </p:clrMapOvr>
+  <p:timing>
+    <p:tnLst>
+      <p:par>
+        <p:cTn id="1" dur="indefinite" restart="never" nodeType="tmRoot"/>
+      </p:par>
+    </p:tnLst>
+  </p:timing>
 </p:sld>
 </file>
 
@@ -4962,7 +5630,7 @@
           <a:p>
             <a:r>
               <a:rPr lang="en-US" dirty="0" smtClean="0"/>
-              <a:t>Core Function</a:t>
+              <a:t>Android Client</a:t>
             </a:r>
             <a:endParaRPr lang="en-US" dirty="0"/>
           </a:p>
@@ -4985,41 +5653,127 @@
           <a:p>
             <a:r>
               <a:rPr lang="en-US" dirty="0" smtClean="0"/>
-              <a:t>Membership Management</a:t>
+              <a:t>Check user accounts</a:t>
             </a:r>
           </a:p>
           <a:p>
             <a:r>
               <a:rPr lang="en-US" dirty="0" smtClean="0"/>
-              <a:t>The Voting Process</a:t>
+              <a:t>Manager to apply meetings</a:t>
             </a:r>
           </a:p>
           <a:p>
             <a:r>
               <a:rPr lang="en-US" dirty="0" smtClean="0"/>
-              <a:t>Sealed Second Price Auction </a:t>
-            </a:r>
+              <a:t>Members to Join and Manager to Accept</a:t>
+            </a:r>
+          </a:p>
+          <a:p>
+            <a:r>
+              <a:rPr lang="en-US" dirty="0" smtClean="0"/>
+              <a:t>Manager to Suggest and Members to Vote</a:t>
+            </a:r>
+          </a:p>
+          <a:p>
+            <a:r>
+              <a:rPr lang="en-US" dirty="0" smtClean="0"/>
+              <a:t>Members to Bid and </a:t>
+            </a:r>
+            <a:r>
+              <a:rPr lang="en-US" dirty="0"/>
+              <a:t>Reveal</a:t>
+            </a:r>
+          </a:p>
+          <a:p>
+            <a:r>
+              <a:rPr lang="en-US" dirty="0"/>
+              <a:t>Check </a:t>
+            </a:r>
+            <a:r>
+              <a:rPr lang="en-US" dirty="0" smtClean="0"/>
+              <a:t>meetings </a:t>
+            </a:r>
+            <a:r>
+              <a:rPr lang="en-US" dirty="0"/>
+              <a:t>states</a:t>
+            </a:r>
+            <a:endParaRPr lang="en-US" dirty="0" smtClean="0"/>
+          </a:p>
+          <a:p>
             <a:endParaRPr lang="en-US" dirty="0"/>
           </a:p>
         </p:txBody>
       </p:sp>
+      <p:pic>
+        <p:nvPicPr>
+          <p:cNvPr id="4" name="Picture 3"/>
+          <p:cNvPicPr>
+            <a:picLocks noChangeAspect="1"/>
+          </p:cNvPicPr>
+          <p:nvPr/>
+        </p:nvPicPr>
+        <p:blipFill>
+          <a:blip r:embed="rId2" cstate="print">
+            <a:extLst>
+              <a:ext uri="{28A0092B-C50C-407E-A947-70E740481C1C}">
+                <a14:useLocalDpi xmlns:a14="http://schemas.microsoft.com/office/drawing/2010/main" val="0"/>
+              </a:ext>
+            </a:extLst>
+          </a:blip>
+          <a:stretch>
+            <a:fillRect/>
+          </a:stretch>
+        </p:blipFill>
+        <p:spPr>
+          <a:xfrm>
+            <a:off x="5635121" y="4877037"/>
+            <a:ext cx="2880229" cy="1299926"/>
+          </a:xfrm>
+          <a:prstGeom prst="rect">
+            <a:avLst/>
+          </a:prstGeom>
+        </p:spPr>
+      </p:pic>
+      <p:pic>
+        <p:nvPicPr>
+          <p:cNvPr id="5" name="Picture 4"/>
+          <p:cNvPicPr>
+            <a:picLocks noChangeAspect="1"/>
+          </p:cNvPicPr>
+          <p:nvPr/>
+        </p:nvPicPr>
+        <p:blipFill>
+          <a:blip r:embed="rId3" cstate="print">
+            <a:extLst>
+              <a:ext uri="{28A0092B-C50C-407E-A947-70E740481C1C}">
+                <a14:useLocalDpi xmlns:a14="http://schemas.microsoft.com/office/drawing/2010/main" val="0"/>
+              </a:ext>
+            </a:extLst>
+          </a:blip>
+          <a:stretch>
+            <a:fillRect/>
+          </a:stretch>
+        </p:blipFill>
+        <p:spPr>
+          <a:xfrm>
+            <a:off x="3945219" y="4877037"/>
+            <a:ext cx="1297526" cy="1297526"/>
+          </a:xfrm>
+          <a:prstGeom prst="rect">
+            <a:avLst/>
+          </a:prstGeom>
+        </p:spPr>
+      </p:pic>
     </p:spTree>
     <p:extLst>
       <p:ext uri="{BB962C8B-B14F-4D97-AF65-F5344CB8AC3E}">
-        <p14:creationId xmlns:p14="http://schemas.microsoft.com/office/powerpoint/2010/main" val="875631406"/>
+        <p14:creationId xmlns:p14="http://schemas.microsoft.com/office/powerpoint/2010/main" val="2211155313"/>
       </p:ext>
     </p:extLst>
   </p:cSld>
   <p:clrMapOvr>
     <a:masterClrMapping/>
   </p:clrMapOvr>
-  <p:timing>
-    <p:tnLst>
-      <p:par>
-        <p:cTn id="1" dur="indefinite" restart="never" nodeType="tmRoot"/>
-      </p:par>
-    </p:tnLst>
-  </p:timing>
 </p:sld>
 </file>
 
@@ -5056,45 +5810,52 @@
           <a:lstStyle/>
           <a:p>
             <a:r>
-              <a:rPr lang="en-US" dirty="0"/>
-              <a:t> Replicated State Machine</a:t>
-            </a:r>
-          </a:p>
-        </p:txBody>
-      </p:sp>
-      <p:pic>
-        <p:nvPicPr>
-          <p:cNvPr id="4" name="Content Placeholder 3"/>
-          <p:cNvPicPr>
-            <a:picLocks noGrp="1" noChangeAspect="1"/>
-          </p:cNvPicPr>
+              <a:rPr lang="en-US" dirty="0" smtClean="0"/>
+              <a:t>Core Function</a:t>
+            </a:r>
+            <a:endParaRPr lang="en-US" dirty="0"/>
+          </a:p>
+        </p:txBody>
+      </p:sp>
+      <p:sp>
+        <p:nvSpPr>
+          <p:cNvPr id="3" name="Content Placeholder 2"/>
+          <p:cNvSpPr>
+            <a:spLocks noGrp="1"/>
+          </p:cNvSpPr>
           <p:nvPr>
             <p:ph idx="1"/>
           </p:nvPr>
-        </p:nvPicPr>
-        <p:blipFill>
-          <a:blip r:embed="rId2">
-            <a:extLst>
-              <a:ext uri="{28A0092B-C50C-407E-A947-70E740481C1C}">
-                <a14:useLocalDpi xmlns:a14="http://schemas.microsoft.com/office/drawing/2010/main" val="0"/>
-              </a:ext>
-            </a:extLst>
-          </a:blip>
-          <a:stretch>
-            <a:fillRect/>
-          </a:stretch>
-        </p:blipFill>
-        <p:spPr>
-          <a:xfrm>
-            <a:off x="2590800" y="1537550"/>
-            <a:ext cx="6600552" cy="4639413"/>
-          </a:xfrm>
-        </p:spPr>
-      </p:pic>
+        </p:nvSpPr>
+        <p:spPr/>
+        <p:txBody>
+          <a:bodyPr/>
+          <a:lstStyle/>
+          <a:p>
+            <a:r>
+              <a:rPr lang="en-US" dirty="0" smtClean="0"/>
+              <a:t>Membership Management</a:t>
+            </a:r>
+          </a:p>
+          <a:p>
+            <a:r>
+              <a:rPr lang="en-US" dirty="0" smtClean="0"/>
+              <a:t>The Voting Process</a:t>
+            </a:r>
+          </a:p>
+          <a:p>
+            <a:r>
+              <a:rPr lang="en-US" dirty="0" smtClean="0"/>
+              <a:t>Sealed Second Price Auction </a:t>
+            </a:r>
+            <a:endParaRPr lang="en-US" dirty="0"/>
+          </a:p>
+        </p:txBody>
+      </p:sp>
     </p:spTree>
     <p:extLst>
       <p:ext uri="{BB962C8B-B14F-4D97-AF65-F5344CB8AC3E}">
-        <p14:creationId xmlns:p14="http://schemas.microsoft.com/office/powerpoint/2010/main" val="2247466771"/>
+        <p14:creationId xmlns:p14="http://schemas.microsoft.com/office/powerpoint/2010/main" val="875631406"/>
       </p:ext>
     </p:extLst>
   </p:cSld>
@@ -5145,7 +5906,7 @@
           <a:p>
             <a:r>
               <a:rPr lang="en-US" dirty="0"/>
-              <a:t>Replicated State Machine</a:t>
+              <a:t> Replicated State Machine</a:t>
             </a:r>
           </a:p>
         </p:txBody>
@@ -5174,28 +5935,35 @@
         </p:blipFill>
         <p:spPr>
           <a:xfrm>
-            <a:off x="2705759" y="1825625"/>
-            <a:ext cx="6780482" cy="4351338"/>
+            <a:off x="1943100" y="2010413"/>
+            <a:ext cx="4950414" cy="3479560"/>
           </a:xfrm>
         </p:spPr>
       </p:pic>
     </p:spTree>
     <p:extLst>
       <p:ext uri="{BB962C8B-B14F-4D97-AF65-F5344CB8AC3E}">
-        <p14:creationId xmlns:p14="http://schemas.microsoft.com/office/powerpoint/2010/main" val="3862841420"/>
+        <p14:creationId xmlns:p14="http://schemas.microsoft.com/office/powerpoint/2010/main" val="2247466771"/>
       </p:ext>
     </p:extLst>
   </p:cSld>
   <p:clrMapOvr>
     <a:masterClrMapping/>
   </p:clrMapOvr>
+  <p:timing>
+    <p:tnLst>
+      <p:par>
+        <p:cTn id="1" dur="indefinite" restart="never" nodeType="tmRoot"/>
+      </p:par>
+    </p:tnLst>
+  </p:timing>
 </p:sld>
 </file>
 
 <file path=ppt/theme/theme1.xml><?xml version="1.0" encoding="utf-8"?>
 <a:theme xmlns:a="http://schemas.openxmlformats.org/drawingml/2006/main" name="Office Theme">
   <a:themeElements>
-    <a:clrScheme name="Office">
+    <a:clrScheme name="Office Theme">
       <a:dk1>
         <a:sysClr val="windowText" lastClr="000000"/>
       </a:dk1>
@@ -5233,14 +6001,14 @@
         <a:srgbClr val="954F72"/>
       </a:folHlink>
     </a:clrScheme>
-    <a:fontScheme name="Office">
+    <a:fontScheme name="Office Theme">
       <a:majorFont>
         <a:latin typeface="Calibri Light" panose="020F0302020204030204"/>
         <a:ea typeface=""/>
         <a:cs typeface=""/>
-        <a:font script="Jpan" typeface="游ゴシック Light"/>
+        <a:font script="Jpan" typeface="ＭＳ Ｐゴシック"/>
         <a:font script="Hang" typeface="맑은 고딕"/>
-        <a:font script="Hans" typeface="等线 Light"/>
+        <a:font script="Hans" typeface="宋体"/>
         <a:font script="Hant" typeface="新細明體"/>
         <a:font script="Arab" typeface="Times New Roman"/>
         <a:font script="Hebr" typeface="Times New Roman"/>
@@ -5273,9 +6041,9 @@
         <a:latin typeface="Calibri" panose="020F0502020204030204"/>
         <a:ea typeface=""/>
         <a:cs typeface=""/>
-        <a:font script="Jpan" typeface="游ゴシック"/>
+        <a:font script="Jpan" typeface="ＭＳ Ｐゴシック"/>
         <a:font script="Hang" typeface="맑은 고딕"/>
-        <a:font script="Hans" typeface="等线"/>
+        <a:font script="Hans" typeface="宋体"/>
         <a:font script="Hant" typeface="新細明體"/>
         <a:font script="Arab" typeface="Arial"/>
         <a:font script="Hebr" typeface="Arial"/>
@@ -5305,7 +6073,7 @@
         <a:font script="Geor" typeface="Sylfaen"/>
       </a:minorFont>
     </a:fontScheme>
-    <a:fmtScheme name="Office">
+    <a:fmtScheme name="Office Theme">
       <a:fillStyleLst>
         <a:solidFill>
           <a:schemeClr val="phClr"/>

--- a/1482806030EtherLend.pptx
+++ b/1482806030EtherLend.pptx
@@ -214,7 +214,7 @@
           <a:p>
             <a:fld id="{40A4E191-E278-E94D-84FD-97D9E9CC4615}" type="datetimeFigureOut">
               <a:rPr lang="en-US" smtClean="0"/>
-              <a:t>12/27/2016</a:t>
+              <a:t>12/27/16</a:t>
             </a:fld>
             <a:endParaRPr lang="en-US"/>
           </a:p>
@@ -379,7 +379,7 @@
           <a:p>
             <a:fld id="{013E954D-3CCC-AC41-912F-5193718E0898}" type="datetimeFigureOut">
               <a:rPr lang="en-US" smtClean="0"/>
-              <a:t>12/27/2016</a:t>
+              <a:t>12/27/16</a:t>
             </a:fld>
             <a:endParaRPr lang="en-US"/>
           </a:p>
@@ -862,7 +862,7 @@
           <a:p>
             <a:fld id="{BF630BC5-027B-4D07-99E8-D646925C002F}" type="datetimeFigureOut">
               <a:rPr lang="en-US" smtClean="0"/>
-              <a:t>12/27/2016</a:t>
+              <a:t>12/27/16</a:t>
             </a:fld>
             <a:endParaRPr lang="en-US"/>
           </a:p>
@@ -1027,7 +1027,7 @@
           <a:p>
             <a:fld id="{BF630BC5-027B-4D07-99E8-D646925C002F}" type="datetimeFigureOut">
               <a:rPr lang="en-US" smtClean="0"/>
-              <a:t>12/27/2016</a:t>
+              <a:t>12/27/16</a:t>
             </a:fld>
             <a:endParaRPr lang="en-US"/>
           </a:p>
@@ -1202,7 +1202,7 @@
           <a:p>
             <a:fld id="{BF630BC5-027B-4D07-99E8-D646925C002F}" type="datetimeFigureOut">
               <a:rPr lang="en-US" smtClean="0"/>
-              <a:t>12/27/2016</a:t>
+              <a:t>12/27/16</a:t>
             </a:fld>
             <a:endParaRPr lang="en-US"/>
           </a:p>
@@ -1367,7 +1367,7 @@
           <a:p>
             <a:fld id="{BF630BC5-027B-4D07-99E8-D646925C002F}" type="datetimeFigureOut">
               <a:rPr lang="en-US" smtClean="0"/>
-              <a:t>12/27/2016</a:t>
+              <a:t>12/27/16</a:t>
             </a:fld>
             <a:endParaRPr lang="en-US"/>
           </a:p>
@@ -1606,7 +1606,7 @@
           <a:p>
             <a:fld id="{BF630BC5-027B-4D07-99E8-D646925C002F}" type="datetimeFigureOut">
               <a:rPr lang="en-US" smtClean="0"/>
-              <a:t>12/27/2016</a:t>
+              <a:t>12/27/16</a:t>
             </a:fld>
             <a:endParaRPr lang="en-US"/>
           </a:p>
@@ -1833,7 +1833,7 @@
           <a:p>
             <a:fld id="{BF630BC5-027B-4D07-99E8-D646925C002F}" type="datetimeFigureOut">
               <a:rPr lang="en-US" smtClean="0"/>
-              <a:t>12/27/2016</a:t>
+              <a:t>12/27/16</a:t>
             </a:fld>
             <a:endParaRPr lang="en-US"/>
           </a:p>
@@ -2195,7 +2195,7 @@
           <a:p>
             <a:fld id="{BF630BC5-027B-4D07-99E8-D646925C002F}" type="datetimeFigureOut">
               <a:rPr lang="en-US" smtClean="0"/>
-              <a:t>12/27/2016</a:t>
+              <a:t>12/27/16</a:t>
             </a:fld>
             <a:endParaRPr lang="en-US"/>
           </a:p>
@@ -2308,7 +2308,7 @@
           <a:p>
             <a:fld id="{BF630BC5-027B-4D07-99E8-D646925C002F}" type="datetimeFigureOut">
               <a:rPr lang="en-US" smtClean="0"/>
-              <a:t>12/27/2016</a:t>
+              <a:t>12/27/16</a:t>
             </a:fld>
             <a:endParaRPr lang="en-US"/>
           </a:p>
@@ -2398,7 +2398,7 @@
           <a:p>
             <a:fld id="{BF630BC5-027B-4D07-99E8-D646925C002F}" type="datetimeFigureOut">
               <a:rPr lang="en-US" smtClean="0"/>
-              <a:t>12/27/2016</a:t>
+              <a:t>12/27/16</a:t>
             </a:fld>
             <a:endParaRPr lang="en-US"/>
           </a:p>
@@ -2670,7 +2670,7 @@
           <a:p>
             <a:fld id="{BF630BC5-027B-4D07-99E8-D646925C002F}" type="datetimeFigureOut">
               <a:rPr lang="en-US" smtClean="0"/>
-              <a:t>12/27/2016</a:t>
+              <a:t>12/27/16</a:t>
             </a:fld>
             <a:endParaRPr lang="en-US"/>
           </a:p>
@@ -2922,7 +2922,7 @@
           <a:p>
             <a:fld id="{BF630BC5-027B-4D07-99E8-D646925C002F}" type="datetimeFigureOut">
               <a:rPr lang="en-US" smtClean="0"/>
-              <a:t>12/27/2016</a:t>
+              <a:t>12/27/16</a:t>
             </a:fld>
             <a:endParaRPr lang="en-US"/>
           </a:p>
@@ -3130,7 +3130,7 @@
           <a:p>
             <a:fld id="{BF630BC5-027B-4D07-99E8-D646925C002F}" type="datetimeFigureOut">
               <a:rPr lang="en-US" smtClean="0"/>
-              <a:t>12/27/2016</a:t>
+              <a:t>12/27/16</a:t>
             </a:fld>
             <a:endParaRPr lang="en-US"/>
           </a:p>
@@ -3842,57 +3842,6 @@
           <a:chExt cx="0" cy="0"/>
         </a:xfrm>
       </p:grpSpPr>
-      <p:sp>
-        <p:nvSpPr>
-          <p:cNvPr id="2" name="Title 1"/>
-          <p:cNvSpPr>
-            <a:spLocks noGrp="1"/>
-          </p:cNvSpPr>
-          <p:nvPr>
-            <p:ph type="title"/>
-          </p:nvPr>
-        </p:nvSpPr>
-        <p:spPr>
-          <a:xfrm>
-            <a:off x="3228549" y="4939965"/>
-            <a:ext cx="4134778" cy="994172"/>
-          </a:xfrm>
-        </p:spPr>
-        <p:txBody>
-          <a:bodyPr/>
-          <a:lstStyle/>
-          <a:p>
-            <a:r>
-              <a:rPr lang="en-US" dirty="0" err="1" smtClean="0"/>
-              <a:t>WebApp</a:t>
-            </a:r>
-            <a:r>
-              <a:rPr lang="en-US" dirty="0" smtClean="0"/>
-              <a:t> Demo</a:t>
-            </a:r>
-            <a:endParaRPr lang="en-US" dirty="0"/>
-          </a:p>
-        </p:txBody>
-      </p:sp>
-      <p:sp>
-        <p:nvSpPr>
-          <p:cNvPr id="3" name="Content Placeholder 2"/>
-          <p:cNvSpPr>
-            <a:spLocks noGrp="1"/>
-          </p:cNvSpPr>
-          <p:nvPr>
-            <p:ph idx="1"/>
-          </p:nvPr>
-        </p:nvSpPr>
-        <p:spPr/>
-        <p:txBody>
-          <a:bodyPr/>
-          <a:lstStyle/>
-          <a:p>
-            <a:endParaRPr lang="en-US" dirty="0"/>
-          </a:p>
-        </p:txBody>
-      </p:sp>
       <p:pic>
         <p:nvPicPr>
           <p:cNvPr id="4" name="Picture 3"/>
@@ -3917,6 +3866,74 @@
           </a:prstGeom>
         </p:spPr>
       </p:pic>
+      <p:sp>
+        <p:nvSpPr>
+          <p:cNvPr id="2" name="Title 1"/>
+          <p:cNvSpPr>
+            <a:spLocks noGrp="1"/>
+          </p:cNvSpPr>
+          <p:nvPr>
+            <p:ph type="title"/>
+          </p:nvPr>
+        </p:nvSpPr>
+        <p:spPr>
+          <a:xfrm>
+            <a:off x="3228549" y="4939965"/>
+            <a:ext cx="4134778" cy="994172"/>
+          </a:xfrm>
+        </p:spPr>
+        <p:txBody>
+          <a:bodyPr/>
+          <a:lstStyle/>
+          <a:p>
+            <a:r>
+              <a:rPr lang="en-US" dirty="0" err="1" smtClean="0"/>
+              <a:t>WebApp</a:t>
+            </a:r>
+            <a:r>
+              <a:rPr lang="en-US" dirty="0" smtClean="0"/>
+              <a:t> Demo</a:t>
+            </a:r>
+            <a:endParaRPr lang="en-US" dirty="0"/>
+          </a:p>
+        </p:txBody>
+      </p:sp>
+      <p:sp>
+        <p:nvSpPr>
+          <p:cNvPr id="3" name="Content Placeholder 2"/>
+          <p:cNvSpPr>
+            <a:spLocks noGrp="1"/>
+          </p:cNvSpPr>
+          <p:nvPr>
+            <p:ph idx="1"/>
+          </p:nvPr>
+        </p:nvSpPr>
+        <p:spPr/>
+        <p:txBody>
+          <a:bodyPr/>
+          <a:lstStyle/>
+          <a:p>
+            <a:pPr marL="0" marR="0" lvl="0" indent="0" defTabSz="914400" eaLnBrk="1" fontAlgn="auto" latinLnBrk="0" hangingPunct="1">
+              <a:lnSpc>
+                <a:spcPct val="100000"/>
+              </a:lnSpc>
+              <a:spcBef>
+                <a:spcPts val="0"/>
+              </a:spcBef>
+              <a:spcAft>
+                <a:spcPts val="0"/>
+              </a:spcAft>
+              <a:buClrTx/>
+              <a:buSzTx/>
+              <a:buFontTx/>
+              <a:buNone/>
+              <a:tabLst/>
+              <a:defRPr/>
+            </a:pPr>
+            <a:endParaRPr lang="en-US" dirty="0"/>
+          </a:p>
+        </p:txBody>
+      </p:sp>
     </p:spTree>
     <p:extLst>
       <p:ext uri="{BB962C8B-B14F-4D97-AF65-F5344CB8AC3E}">
@@ -3966,7 +3983,7 @@
         </p:nvSpPr>
         <p:spPr>
           <a:xfrm>
-            <a:off x="436921" y="129152"/>
+            <a:off x="167980" y="3141571"/>
             <a:ext cx="7886700" cy="1325563"/>
           </a:xfrm>
         </p:spPr>
@@ -4006,7 +4023,7 @@
         </p:blipFill>
         <p:spPr>
           <a:xfrm>
-            <a:off x="6065501" y="911733"/>
+            <a:off x="6051853" y="1287910"/>
             <a:ext cx="2894144" cy="5145147"/>
           </a:xfrm>
         </p:spPr>
@@ -4027,7 +4044,7 @@
         </p:blipFill>
         <p:spPr>
           <a:xfrm>
-            <a:off x="3147527" y="911733"/>
+            <a:off x="3133879" y="1287910"/>
             <a:ext cx="2848946" cy="5032887"/>
           </a:xfrm>
           <a:prstGeom prst="rect">
@@ -4528,7 +4545,7 @@
             <p:ph idx="1"/>
             <p:extLst>
               <p:ext uri="{D42A27DB-BD31-4B8C-83A1-F6EECF244321}">
-                <p14:modId xmlns:p14="http://schemas.microsoft.com/office/powerpoint/2010/main" val="216382087"/>
+                <p14:modId xmlns:p14="http://schemas.microsoft.com/office/powerpoint/2010/main" val="13033294"/>
               </p:ext>
             </p:extLst>
           </p:nvPr>
@@ -4547,35 +4564,35 @@
                 <a:gridCol w="1577340">
                   <a:extLst>
                     <a:ext uri="{9D8B030D-6E8A-4147-A177-3AD203B41FA5}">
-                      <a16:colId xmlns:a16="http://schemas.microsoft.com/office/drawing/2014/main" val="1205294342"/>
+                      <a16:colId xmlns:a16="http://schemas.microsoft.com/office/drawing/2014/main" xmlns="" val="1205294342"/>
                     </a:ext>
                   </a:extLst>
                 </a:gridCol>
                 <a:gridCol w="1577340">
                   <a:extLst>
                     <a:ext uri="{9D8B030D-6E8A-4147-A177-3AD203B41FA5}">
-                      <a16:colId xmlns:a16="http://schemas.microsoft.com/office/drawing/2014/main" val="1967479225"/>
+                      <a16:colId xmlns:a16="http://schemas.microsoft.com/office/drawing/2014/main" xmlns="" val="1967479225"/>
                     </a:ext>
                   </a:extLst>
                 </a:gridCol>
                 <a:gridCol w="1577340">
                   <a:extLst>
                     <a:ext uri="{9D8B030D-6E8A-4147-A177-3AD203B41FA5}">
-                      <a16:colId xmlns:a16="http://schemas.microsoft.com/office/drawing/2014/main" val="2489586927"/>
+                      <a16:colId xmlns:a16="http://schemas.microsoft.com/office/drawing/2014/main" xmlns="" val="2489586927"/>
                     </a:ext>
                   </a:extLst>
                 </a:gridCol>
                 <a:gridCol w="1577340">
                   <a:extLst>
                     <a:ext uri="{9D8B030D-6E8A-4147-A177-3AD203B41FA5}">
-                      <a16:colId xmlns:a16="http://schemas.microsoft.com/office/drawing/2014/main" val="3017128060"/>
+                      <a16:colId xmlns:a16="http://schemas.microsoft.com/office/drawing/2014/main" xmlns="" val="3017128060"/>
                     </a:ext>
                   </a:extLst>
                 </a:gridCol>
                 <a:gridCol w="1577340">
                   <a:extLst>
                     <a:ext uri="{9D8B030D-6E8A-4147-A177-3AD203B41FA5}">
-                      <a16:colId xmlns:a16="http://schemas.microsoft.com/office/drawing/2014/main" val="3988635764"/>
+                      <a16:colId xmlns:a16="http://schemas.microsoft.com/office/drawing/2014/main" xmlns="" val="3988635764"/>
                     </a:ext>
                   </a:extLst>
                 </a:gridCol>
@@ -4649,7 +4666,7 @@
                 </a:tc>
                 <a:extLst>
                   <a:ext uri="{0D108BD9-81ED-4DB2-BD59-A6C34878D82A}">
-                    <a16:rowId xmlns:a16="http://schemas.microsoft.com/office/drawing/2014/main" val="3998582811"/>
+                    <a16:rowId xmlns:a16="http://schemas.microsoft.com/office/drawing/2014/main" xmlns="" val="3998582811"/>
                   </a:ext>
                 </a:extLst>
               </a:tr>
@@ -4675,7 +4692,15 @@
                     <a:p>
                       <a:r>
                         <a:rPr lang="en-US" sz="1400" b="1" dirty="0" smtClean="0"/>
-                        <a:t>+16 (13)</a:t>
+                        <a:t>+16 </a:t>
+                      </a:r>
+                      <a:r>
+                        <a:rPr lang="en-US" sz="1400" b="1" dirty="0" smtClean="0"/>
+                        <a:t>(3</a:t>
+                      </a:r>
+                      <a:r>
+                        <a:rPr lang="en-US" sz="1400" b="1" dirty="0" smtClean="0"/>
+                        <a:t>)</a:t>
                       </a:r>
                       <a:endParaRPr lang="en-US" sz="1400" b="1" dirty="0"/>
                     </a:p>
@@ -4689,7 +4714,15 @@
                     <a:p>
                       <a:r>
                         <a:rPr lang="en-US" sz="1400" dirty="0" smtClean="0"/>
-                        <a:t>-8 (12)</a:t>
+                        <a:t>-8 </a:t>
+                      </a:r>
+                      <a:r>
+                        <a:rPr lang="en-US" sz="1400" dirty="0" smtClean="0"/>
+                        <a:t>(2</a:t>
+                      </a:r>
+                      <a:r>
+                        <a:rPr lang="en-US" sz="1400" dirty="0" smtClean="0"/>
+                        <a:t>)</a:t>
                       </a:r>
                       <a:endParaRPr lang="en-US" sz="1400" dirty="0"/>
                     </a:p>
@@ -4703,7 +4736,15 @@
                     <a:p>
                       <a:r>
                         <a:rPr lang="en-US" sz="1400" dirty="0" smtClean="0"/>
-                        <a:t>-8 (11)</a:t>
+                        <a:t>-8 </a:t>
+                      </a:r>
+                      <a:r>
+                        <a:rPr lang="en-US" sz="1400" dirty="0" smtClean="0"/>
+                        <a:t>(1</a:t>
+                      </a:r>
+                      <a:r>
+                        <a:rPr lang="en-US" sz="1400" dirty="0" smtClean="0"/>
+                        <a:t>)</a:t>
                       </a:r>
                       <a:endParaRPr lang="en-US" sz="1400" dirty="0"/>
                     </a:p>
@@ -4726,7 +4767,7 @@
                 </a:tc>
                 <a:extLst>
                   <a:ext uri="{0D108BD9-81ED-4DB2-BD59-A6C34878D82A}">
-                    <a16:rowId xmlns:a16="http://schemas.microsoft.com/office/drawing/2014/main" val="2694499608"/>
+                    <a16:rowId xmlns:a16="http://schemas.microsoft.com/office/drawing/2014/main" xmlns="" val="2694499608"/>
                   </a:ext>
                 </a:extLst>
               </a:tr>
@@ -4752,11 +4793,7 @@
                     <a:p>
                       <a:r>
                         <a:rPr lang="en-US" sz="1400" dirty="0" smtClean="0"/>
-                        <a:t>-</a:t>
-                      </a:r>
-                      <a:r>
-                        <a:rPr lang="en-US" sz="1400" dirty="0" smtClean="0"/>
-                        <a:t>10</a:t>
+                        <a:t>-10</a:t>
                       </a:r>
                       <a:endParaRPr lang="en-US" sz="1400" dirty="0"/>
                     </a:p>
@@ -4770,7 +4807,15 @@
                     <a:p>
                       <a:r>
                         <a:rPr lang="en-US" sz="1400" b="1" dirty="0" smtClean="0"/>
-                        <a:t>+19 (12)</a:t>
+                        <a:t>+19 </a:t>
+                      </a:r>
+                      <a:r>
+                        <a:rPr lang="en-US" sz="1400" b="1" dirty="0" smtClean="0"/>
+                        <a:t>(2</a:t>
+                      </a:r>
+                      <a:r>
+                        <a:rPr lang="en-US" sz="1400" b="1" dirty="0" smtClean="0"/>
+                        <a:t>)</a:t>
                       </a:r>
                       <a:endParaRPr lang="en-US" sz="1400" b="1" dirty="0"/>
                     </a:p>
@@ -4784,7 +4829,15 @@
                     <a:p>
                       <a:r>
                         <a:rPr lang="en-US" sz="1400" dirty="0" smtClean="0"/>
-                        <a:t>-9 (11)</a:t>
+                        <a:t>-9 </a:t>
+                      </a:r>
+                      <a:r>
+                        <a:rPr lang="en-US" sz="1400" dirty="0" smtClean="0"/>
+                        <a:t>(1</a:t>
+                      </a:r>
+                      <a:r>
+                        <a:rPr lang="en-US" sz="1400" dirty="0" smtClean="0"/>
+                        <a:t>)</a:t>
                       </a:r>
                       <a:endParaRPr lang="en-US" sz="1400" dirty="0"/>
                     </a:p>
@@ -4807,7 +4860,7 @@
                 </a:tc>
                 <a:extLst>
                   <a:ext uri="{0D108BD9-81ED-4DB2-BD59-A6C34878D82A}">
-                    <a16:rowId xmlns:a16="http://schemas.microsoft.com/office/drawing/2014/main" val="1987319501"/>
+                    <a16:rowId xmlns:a16="http://schemas.microsoft.com/office/drawing/2014/main" xmlns="" val="1987319501"/>
                   </a:ext>
                 </a:extLst>
               </a:tr>
@@ -4833,11 +4886,7 @@
                     <a:p>
                       <a:r>
                         <a:rPr lang="en-US" sz="1400" dirty="0" smtClean="0"/>
-                        <a:t>-</a:t>
-                      </a:r>
-                      <a:r>
-                        <a:rPr lang="en-US" sz="1400" dirty="0" smtClean="0"/>
-                        <a:t>10</a:t>
+                        <a:t>-10</a:t>
                       </a:r>
                       <a:endParaRPr lang="en-US" sz="1400" dirty="0"/>
                     </a:p>
@@ -4865,11 +4914,7 @@
                     <a:p>
                       <a:r>
                         <a:rPr lang="en-US" sz="1400" b="1" smtClean="0"/>
-                        <a:t>+</a:t>
-                      </a:r>
-                      <a:r>
-                        <a:rPr lang="en-US" sz="1400" b="1" smtClean="0"/>
-                        <a:t>20</a:t>
+                        <a:t>+20</a:t>
                       </a:r>
                       <a:endParaRPr lang="en-US" sz="1400" b="1" dirty="0"/>
                     </a:p>
@@ -4892,7 +4937,7 @@
                 </a:tc>
                 <a:extLst>
                   <a:ext uri="{0D108BD9-81ED-4DB2-BD59-A6C34878D82A}">
-                    <a16:rowId xmlns:a16="http://schemas.microsoft.com/office/drawing/2014/main" val="2873965669"/>
+                    <a16:rowId xmlns:a16="http://schemas.microsoft.com/office/drawing/2014/main" xmlns="" val="2873965669"/>
                   </a:ext>
                 </a:extLst>
               </a:tr>
@@ -4969,7 +5014,7 @@
                 </a:tc>
                 <a:extLst>
                   <a:ext uri="{0D108BD9-81ED-4DB2-BD59-A6C34878D82A}">
-                    <a16:rowId xmlns:a16="http://schemas.microsoft.com/office/drawing/2014/main" val="2246782234"/>
+                    <a16:rowId xmlns:a16="http://schemas.microsoft.com/office/drawing/2014/main" xmlns="" val="2246782234"/>
                   </a:ext>
                 </a:extLst>
               </a:tr>
